--- a/Presentation/Presentation1.pptx
+++ b/Presentation/Presentation1.pptx
@@ -140,7 +140,7 @@
       </p:grpSpPr>
       <p:sp>
         <p:nvSpPr>
-          <p:cNvPr id="159831918" name="Header Placeholder 1"/>
+          <p:cNvPr id="450663245" name="Header Placeholder 1"/>
           <p:cNvSpPr>
             <a:spLocks noGrp="1"/>
           </p:cNvSpPr>
@@ -174,7 +174,7 @@
       </p:sp>
       <p:sp>
         <p:nvSpPr>
-          <p:cNvPr id="1462617974" name="Date Placeholder 2"/>
+          <p:cNvPr id="604273858" name="Date Placeholder 2"/>
           <p:cNvSpPr>
             <a:spLocks noGrp="1"/>
           </p:cNvSpPr>
@@ -212,7 +212,7 @@
       </p:sp>
       <p:sp>
         <p:nvSpPr>
-          <p:cNvPr id="998234028" name="Slide Image Placeholder 3"/>
+          <p:cNvPr id="1754826644" name="Slide Image Placeholder 3"/>
           <p:cNvSpPr>
             <a:spLocks noChangeAspect="1" noGrp="1" noRot="1"/>
           </p:cNvSpPr>
@@ -248,7 +248,7 @@
       </p:sp>
       <p:sp>
         <p:nvSpPr>
-          <p:cNvPr id="59860043" name="Notes Placeholder 4"/>
+          <p:cNvPr id="1447640260" name="Notes Placeholder 4"/>
           <p:cNvSpPr>
             <a:spLocks noGrp="1"/>
           </p:cNvSpPr>
@@ -322,7 +322,7 @@
       </p:sp>
       <p:sp>
         <p:nvSpPr>
-          <p:cNvPr id="239300004" name="Footer Placeholder 5"/>
+          <p:cNvPr id="1217246581" name="Footer Placeholder 5"/>
           <p:cNvSpPr>
             <a:spLocks noGrp="1"/>
           </p:cNvSpPr>
@@ -356,7 +356,7 @@
       </p:sp>
       <p:sp>
         <p:nvSpPr>
-          <p:cNvPr id="641976286" name="Slide Number Placeholder 6"/>
+          <p:cNvPr id="1896421487" name="Slide Number Placeholder 6"/>
           <p:cNvSpPr>
             <a:spLocks noGrp="1"/>
           </p:cNvSpPr>
@@ -509,7 +509,7 @@
       </p:grpSpPr>
       <p:sp>
         <p:nvSpPr>
-          <p:cNvPr id="595341019" name="Slide Image Placeholder 1"/>
+          <p:cNvPr id="288280594" name="Slide Image Placeholder 1"/>
           <p:cNvSpPr>
             <a:spLocks noChangeAspect="1" noGrp="1" noRot="1"/>
           </p:cNvSpPr>
@@ -526,7 +526,7 @@
       </p:sp>
       <p:sp>
         <p:nvSpPr>
-          <p:cNvPr id="1778605978" name="Notes Placeholder 2"/>
+          <p:cNvPr id="1899826979" name="Notes Placeholder 2"/>
           <p:cNvSpPr>
             <a:spLocks noGrp="1"/>
           </p:cNvSpPr>
@@ -551,7 +551,7 @@
       </p:sp>
       <p:sp>
         <p:nvSpPr>
-          <p:cNvPr id="432196517" name="Slide Number Placeholder 3"/>
+          <p:cNvPr id="1210180897" name="Slide Number Placeholder 3"/>
           <p:cNvSpPr>
             <a:spLocks noGrp="1"/>
           </p:cNvSpPr>
@@ -1112,7 +1112,7 @@
       </p:grpSpPr>
       <p:sp>
         <p:nvSpPr>
-          <p:cNvPr id="1047745726" name="Title 1"/>
+          <p:cNvPr id="2018104529" name="Title 1"/>
           <p:cNvSpPr>
             <a:spLocks noGrp="1"/>
           </p:cNvSpPr>
@@ -1147,7 +1147,7 @@
       </p:sp>
       <p:sp>
         <p:nvSpPr>
-          <p:cNvPr id="185852464" name="Subtitle 2"/>
+          <p:cNvPr id="1771544101" name="Subtitle 2"/>
           <p:cNvSpPr>
             <a:spLocks noGrp="1"/>
           </p:cNvSpPr>
@@ -1215,7 +1215,7 @@
       </p:sp>
       <p:sp>
         <p:nvSpPr>
-          <p:cNvPr id="1907257244" name="Date Placeholder 3"/>
+          <p:cNvPr id="774253179" name="Date Placeholder 3"/>
           <p:cNvSpPr>
             <a:spLocks noGrp="1"/>
           </p:cNvSpPr>
@@ -1241,7 +1241,7 @@
       </p:sp>
       <p:sp>
         <p:nvSpPr>
-          <p:cNvPr id="201000191" name="Footer Placeholder 4"/>
+          <p:cNvPr id="1172861236" name="Footer Placeholder 4"/>
           <p:cNvSpPr>
             <a:spLocks noGrp="1"/>
           </p:cNvSpPr>
@@ -1263,7 +1263,7 @@
       </p:sp>
       <p:sp>
         <p:nvSpPr>
-          <p:cNvPr id="1633425272" name="Slide Number Placeholder 5"/>
+          <p:cNvPr id="142103804" name="Slide Number Placeholder 5"/>
           <p:cNvSpPr>
             <a:spLocks noGrp="1"/>
           </p:cNvSpPr>
@@ -1314,7 +1314,7 @@
       </p:grpSpPr>
       <p:sp>
         <p:nvSpPr>
-          <p:cNvPr id="814156672" name="Title 1"/>
+          <p:cNvPr id="463071110" name="Title 1"/>
           <p:cNvSpPr>
             <a:spLocks noGrp="1"/>
           </p:cNvSpPr>
@@ -1340,7 +1340,7 @@
       </p:sp>
       <p:sp>
         <p:nvSpPr>
-          <p:cNvPr id="278845904" name="Vertical Text Placeholder 2"/>
+          <p:cNvPr id="1392756042" name="Vertical Text Placeholder 2"/>
           <p:cNvSpPr>
             <a:spLocks noGrp="1"/>
           </p:cNvSpPr>
@@ -1406,7 +1406,7 @@
       </p:sp>
       <p:sp>
         <p:nvSpPr>
-          <p:cNvPr id="1389641058" name="Date Placeholder 3"/>
+          <p:cNvPr id="816405141" name="Date Placeholder 3"/>
           <p:cNvSpPr>
             <a:spLocks noGrp="1"/>
           </p:cNvSpPr>
@@ -1432,7 +1432,7 @@
       </p:sp>
       <p:sp>
         <p:nvSpPr>
-          <p:cNvPr id="1568994664" name="Footer Placeholder 4"/>
+          <p:cNvPr id="140023342" name="Footer Placeholder 4"/>
           <p:cNvSpPr>
             <a:spLocks noGrp="1"/>
           </p:cNvSpPr>
@@ -1454,7 +1454,7 @@
       </p:sp>
       <p:sp>
         <p:nvSpPr>
-          <p:cNvPr id="329515030" name="Slide Number Placeholder 5"/>
+          <p:cNvPr id="1841334901" name="Slide Number Placeholder 5"/>
           <p:cNvSpPr>
             <a:spLocks noGrp="1"/>
           </p:cNvSpPr>
@@ -1505,7 +1505,7 @@
       </p:grpSpPr>
       <p:sp>
         <p:nvSpPr>
-          <p:cNvPr id="145515776" name="Vertical Title 1"/>
+          <p:cNvPr id="215317085" name="Vertical Title 1"/>
           <p:cNvSpPr>
             <a:spLocks noGrp="1"/>
           </p:cNvSpPr>
@@ -1536,7 +1536,7 @@
       </p:sp>
       <p:sp>
         <p:nvSpPr>
-          <p:cNvPr id="1560731615" name="Vertical Text Placeholder 2"/>
+          <p:cNvPr id="466972330" name="Vertical Text Placeholder 2"/>
           <p:cNvSpPr>
             <a:spLocks noGrp="1"/>
           </p:cNvSpPr>
@@ -1607,7 +1607,7 @@
       </p:sp>
       <p:sp>
         <p:nvSpPr>
-          <p:cNvPr id="707163789" name="Date Placeholder 3"/>
+          <p:cNvPr id="1527539985" name="Date Placeholder 3"/>
           <p:cNvSpPr>
             <a:spLocks noGrp="1"/>
           </p:cNvSpPr>
@@ -1633,7 +1633,7 @@
       </p:sp>
       <p:sp>
         <p:nvSpPr>
-          <p:cNvPr id="1753901886" name="Footer Placeholder 4"/>
+          <p:cNvPr id="1004861944" name="Footer Placeholder 4"/>
           <p:cNvSpPr>
             <a:spLocks noGrp="1"/>
           </p:cNvSpPr>
@@ -1655,7 +1655,7 @@
       </p:sp>
       <p:sp>
         <p:nvSpPr>
-          <p:cNvPr id="431643231" name="Slide Number Placeholder 5"/>
+          <p:cNvPr id="1614803239" name="Slide Number Placeholder 5"/>
           <p:cNvSpPr>
             <a:spLocks noGrp="1"/>
           </p:cNvSpPr>
@@ -1706,7 +1706,7 @@
       </p:grpSpPr>
       <p:sp>
         <p:nvSpPr>
-          <p:cNvPr id="542217631" name="Title 1"/>
+          <p:cNvPr id="1031546451" name="Title 1"/>
           <p:cNvSpPr>
             <a:spLocks noGrp="1"/>
           </p:cNvSpPr>
@@ -1732,7 +1732,7 @@
       </p:sp>
       <p:sp>
         <p:nvSpPr>
-          <p:cNvPr id="697309187" name="Content Placeholder 2"/>
+          <p:cNvPr id="1395564563" name="Content Placeholder 2"/>
           <p:cNvSpPr>
             <a:spLocks noGrp="1"/>
           </p:cNvSpPr>
@@ -1798,7 +1798,7 @@
       </p:sp>
       <p:sp>
         <p:nvSpPr>
-          <p:cNvPr id="2045761492" name="Date Placeholder 3"/>
+          <p:cNvPr id="1190530474" name="Date Placeholder 3"/>
           <p:cNvSpPr>
             <a:spLocks noGrp="1"/>
           </p:cNvSpPr>
@@ -1824,7 +1824,7 @@
       </p:sp>
       <p:sp>
         <p:nvSpPr>
-          <p:cNvPr id="1924870766" name="Footer Placeholder 4"/>
+          <p:cNvPr id="1419620057" name="Footer Placeholder 4"/>
           <p:cNvSpPr>
             <a:spLocks noGrp="1"/>
           </p:cNvSpPr>
@@ -1846,7 +1846,7 @@
       </p:sp>
       <p:sp>
         <p:nvSpPr>
-          <p:cNvPr id="1065853058" name="Slide Number Placeholder 5"/>
+          <p:cNvPr id="1263691841" name="Slide Number Placeholder 5"/>
           <p:cNvSpPr>
             <a:spLocks noGrp="1"/>
           </p:cNvSpPr>
@@ -1897,7 +1897,7 @@
       </p:grpSpPr>
       <p:sp>
         <p:nvSpPr>
-          <p:cNvPr id="1871309869" name="Title 1"/>
+          <p:cNvPr id="1259463156" name="Title 1"/>
           <p:cNvSpPr>
             <a:spLocks noGrp="1"/>
           </p:cNvSpPr>
@@ -1932,7 +1932,7 @@
       </p:sp>
       <p:sp>
         <p:nvSpPr>
-          <p:cNvPr id="469970503" name="Text Placeholder 2"/>
+          <p:cNvPr id="33284290" name="Text Placeholder 2"/>
           <p:cNvSpPr>
             <a:spLocks noGrp="1"/>
           </p:cNvSpPr>
@@ -2054,7 +2054,7 @@
       </p:sp>
       <p:sp>
         <p:nvSpPr>
-          <p:cNvPr id="2080046648" name="Date Placeholder 3"/>
+          <p:cNvPr id="1967669451" name="Date Placeholder 3"/>
           <p:cNvSpPr>
             <a:spLocks noGrp="1"/>
           </p:cNvSpPr>
@@ -2080,7 +2080,7 @@
       </p:sp>
       <p:sp>
         <p:nvSpPr>
-          <p:cNvPr id="1848076510" name="Footer Placeholder 4"/>
+          <p:cNvPr id="1091732076" name="Footer Placeholder 4"/>
           <p:cNvSpPr>
             <a:spLocks noGrp="1"/>
           </p:cNvSpPr>
@@ -2102,7 +2102,7 @@
       </p:sp>
       <p:sp>
         <p:nvSpPr>
-          <p:cNvPr id="1886179925" name="Slide Number Placeholder 5"/>
+          <p:cNvPr id="2109323010" name="Slide Number Placeholder 5"/>
           <p:cNvSpPr>
             <a:spLocks noGrp="1"/>
           </p:cNvSpPr>
@@ -2153,7 +2153,7 @@
       </p:grpSpPr>
       <p:sp>
         <p:nvSpPr>
-          <p:cNvPr id="914775154" name="Title 1"/>
+          <p:cNvPr id="653663622" name="Title 1"/>
           <p:cNvSpPr>
             <a:spLocks noGrp="1"/>
           </p:cNvSpPr>
@@ -2179,7 +2179,7 @@
       </p:sp>
       <p:sp>
         <p:nvSpPr>
-          <p:cNvPr id="367057107" name="Content Placeholder 2"/>
+          <p:cNvPr id="1709099788" name="Content Placeholder 2"/>
           <p:cNvSpPr>
             <a:spLocks noGrp="1"/>
           </p:cNvSpPr>
@@ -2250,7 +2250,7 @@
       </p:sp>
       <p:sp>
         <p:nvSpPr>
-          <p:cNvPr id="749714596" name="Content Placeholder 3"/>
+          <p:cNvPr id="1096328278" name="Content Placeholder 3"/>
           <p:cNvSpPr>
             <a:spLocks noGrp="1"/>
           </p:cNvSpPr>
@@ -2321,7 +2321,7 @@
       </p:sp>
       <p:sp>
         <p:nvSpPr>
-          <p:cNvPr id="1725795749" name="Date Placeholder 4"/>
+          <p:cNvPr id="1891041832" name="Date Placeholder 4"/>
           <p:cNvSpPr>
             <a:spLocks noGrp="1"/>
           </p:cNvSpPr>
@@ -2347,7 +2347,7 @@
       </p:sp>
       <p:sp>
         <p:nvSpPr>
-          <p:cNvPr id="1408021747" name="Footer Placeholder 5"/>
+          <p:cNvPr id="742583497" name="Footer Placeholder 5"/>
           <p:cNvSpPr>
             <a:spLocks noGrp="1"/>
           </p:cNvSpPr>
@@ -2369,7 +2369,7 @@
       </p:sp>
       <p:sp>
         <p:nvSpPr>
-          <p:cNvPr id="63684715" name="Slide Number Placeholder 6"/>
+          <p:cNvPr id="1126794229" name="Slide Number Placeholder 6"/>
           <p:cNvSpPr>
             <a:spLocks noGrp="1"/>
           </p:cNvSpPr>
@@ -2420,7 +2420,7 @@
       </p:grpSpPr>
       <p:sp>
         <p:nvSpPr>
-          <p:cNvPr id="416888913" name="Title 1"/>
+          <p:cNvPr id="220483711" name="Title 1"/>
           <p:cNvSpPr>
             <a:spLocks noGrp="1"/>
           </p:cNvSpPr>
@@ -2451,7 +2451,7 @@
       </p:sp>
       <p:sp>
         <p:nvSpPr>
-          <p:cNvPr id="101022812" name="Text Placeholder 2"/>
+          <p:cNvPr id="2107430633" name="Text Placeholder 2"/>
           <p:cNvSpPr>
             <a:spLocks noGrp="1"/>
           </p:cNvSpPr>
@@ -2519,7 +2519,7 @@
       </p:sp>
       <p:sp>
         <p:nvSpPr>
-          <p:cNvPr id="1395513566" name="Content Placeholder 3"/>
+          <p:cNvPr id="1701359896" name="Content Placeholder 3"/>
           <p:cNvSpPr>
             <a:spLocks noGrp="1"/>
           </p:cNvSpPr>
@@ -2590,7 +2590,7 @@
       </p:sp>
       <p:sp>
         <p:nvSpPr>
-          <p:cNvPr id="1209925658" name="Text Placeholder 4"/>
+          <p:cNvPr id="849449079" name="Text Placeholder 4"/>
           <p:cNvSpPr>
             <a:spLocks noGrp="1"/>
           </p:cNvSpPr>
@@ -2658,7 +2658,7 @@
       </p:sp>
       <p:sp>
         <p:nvSpPr>
-          <p:cNvPr id="831948521" name="Content Placeholder 5"/>
+          <p:cNvPr id="152730853" name="Content Placeholder 5"/>
           <p:cNvSpPr>
             <a:spLocks noGrp="1"/>
           </p:cNvSpPr>
@@ -2729,7 +2729,7 @@
       </p:sp>
       <p:sp>
         <p:nvSpPr>
-          <p:cNvPr id="2053276934" name="Date Placeholder 6"/>
+          <p:cNvPr id="989747272" name="Date Placeholder 6"/>
           <p:cNvSpPr>
             <a:spLocks noGrp="1"/>
           </p:cNvSpPr>
@@ -2755,7 +2755,7 @@
       </p:sp>
       <p:sp>
         <p:nvSpPr>
-          <p:cNvPr id="1030233642" name="Footer Placeholder 7"/>
+          <p:cNvPr id="1275181261" name="Footer Placeholder 7"/>
           <p:cNvSpPr>
             <a:spLocks noGrp="1"/>
           </p:cNvSpPr>
@@ -2777,7 +2777,7 @@
       </p:sp>
       <p:sp>
         <p:nvSpPr>
-          <p:cNvPr id="1282623573" name="Slide Number Placeholder 8"/>
+          <p:cNvPr id="1501318386" name="Slide Number Placeholder 8"/>
           <p:cNvSpPr>
             <a:spLocks noGrp="1"/>
           </p:cNvSpPr>
@@ -2828,7 +2828,7 @@
       </p:grpSpPr>
       <p:sp>
         <p:nvSpPr>
-          <p:cNvPr id="1171075487" name="Title 1"/>
+          <p:cNvPr id="1300576890" name="Title 1"/>
           <p:cNvSpPr>
             <a:spLocks noGrp="1"/>
           </p:cNvSpPr>
@@ -2854,7 +2854,7 @@
       </p:sp>
       <p:sp>
         <p:nvSpPr>
-          <p:cNvPr id="1914792442" name="Date Placeholder 2"/>
+          <p:cNvPr id="1197786164" name="Date Placeholder 2"/>
           <p:cNvSpPr>
             <a:spLocks noGrp="1"/>
           </p:cNvSpPr>
@@ -2880,7 +2880,7 @@
       </p:sp>
       <p:sp>
         <p:nvSpPr>
-          <p:cNvPr id="361565500" name="Footer Placeholder 3"/>
+          <p:cNvPr id="1767557205" name="Footer Placeholder 3"/>
           <p:cNvSpPr>
             <a:spLocks noGrp="1"/>
           </p:cNvSpPr>
@@ -2902,7 +2902,7 @@
       </p:sp>
       <p:sp>
         <p:nvSpPr>
-          <p:cNvPr id="698508525" name="Slide Number Placeholder 4"/>
+          <p:cNvPr id="788806801" name="Slide Number Placeholder 4"/>
           <p:cNvSpPr>
             <a:spLocks noGrp="1"/>
           </p:cNvSpPr>
@@ -2953,7 +2953,7 @@
       </p:grpSpPr>
       <p:sp>
         <p:nvSpPr>
-          <p:cNvPr id="1578638175" name="Date Placeholder 1"/>
+          <p:cNvPr id="1599721845" name="Date Placeholder 1"/>
           <p:cNvSpPr>
             <a:spLocks noGrp="1"/>
           </p:cNvSpPr>
@@ -2979,7 +2979,7 @@
       </p:sp>
       <p:sp>
         <p:nvSpPr>
-          <p:cNvPr id="86775212" name="Footer Placeholder 2"/>
+          <p:cNvPr id="2099234350" name="Footer Placeholder 2"/>
           <p:cNvSpPr>
             <a:spLocks noGrp="1"/>
           </p:cNvSpPr>
@@ -3001,7 +3001,7 @@
       </p:sp>
       <p:sp>
         <p:nvSpPr>
-          <p:cNvPr id="697855414" name="Slide Number Placeholder 3"/>
+          <p:cNvPr id="19719935" name="Slide Number Placeholder 3"/>
           <p:cNvSpPr>
             <a:spLocks noGrp="1"/>
           </p:cNvSpPr>
@@ -3052,7 +3052,7 @@
       </p:grpSpPr>
       <p:sp>
         <p:nvSpPr>
-          <p:cNvPr id="246105210" name="Title 1"/>
+          <p:cNvPr id="1211101795" name="Title 1"/>
           <p:cNvSpPr>
             <a:spLocks noGrp="1"/>
           </p:cNvSpPr>
@@ -3087,7 +3087,7 @@
       </p:sp>
       <p:sp>
         <p:nvSpPr>
-          <p:cNvPr id="1095317316" name="Content Placeholder 2"/>
+          <p:cNvPr id="1346060068" name="Content Placeholder 2"/>
           <p:cNvSpPr>
             <a:spLocks noGrp="1"/>
           </p:cNvSpPr>
@@ -3186,7 +3186,7 @@
       </p:sp>
       <p:sp>
         <p:nvSpPr>
-          <p:cNvPr id="1484536273" name="Text Placeholder 3"/>
+          <p:cNvPr id="907995129" name="Text Placeholder 3"/>
           <p:cNvSpPr>
             <a:spLocks noGrp="1"/>
           </p:cNvSpPr>
@@ -3254,7 +3254,7 @@
       </p:sp>
       <p:sp>
         <p:nvSpPr>
-          <p:cNvPr id="1788684332" name="Date Placeholder 4"/>
+          <p:cNvPr id="466591868" name="Date Placeholder 4"/>
           <p:cNvSpPr>
             <a:spLocks noGrp="1"/>
           </p:cNvSpPr>
@@ -3280,7 +3280,7 @@
       </p:sp>
       <p:sp>
         <p:nvSpPr>
-          <p:cNvPr id="1780561354" name="Footer Placeholder 5"/>
+          <p:cNvPr id="363797687" name="Footer Placeholder 5"/>
           <p:cNvSpPr>
             <a:spLocks noGrp="1"/>
           </p:cNvSpPr>
@@ -3302,7 +3302,7 @@
       </p:sp>
       <p:sp>
         <p:nvSpPr>
-          <p:cNvPr id="1090184520" name="Slide Number Placeholder 6"/>
+          <p:cNvPr id="10959940" name="Slide Number Placeholder 6"/>
           <p:cNvSpPr>
             <a:spLocks noGrp="1"/>
           </p:cNvSpPr>
@@ -3353,7 +3353,7 @@
       </p:grpSpPr>
       <p:sp>
         <p:nvSpPr>
-          <p:cNvPr id="1159999666" name="Title 1"/>
+          <p:cNvPr id="914144047" name="Title 1"/>
           <p:cNvSpPr>
             <a:spLocks noGrp="1"/>
           </p:cNvSpPr>
@@ -3388,7 +3388,7 @@
       </p:sp>
       <p:sp>
         <p:nvSpPr>
-          <p:cNvPr id="78953509" name="Picture Placeholder 2"/>
+          <p:cNvPr id="1959973427" name="Picture Placeholder 2"/>
           <p:cNvSpPr>
             <a:spLocks noChangeAspect="1" noGrp="1"/>
           </p:cNvSpPr>
@@ -3456,7 +3456,7 @@
       </p:sp>
       <p:sp>
         <p:nvSpPr>
-          <p:cNvPr id="1200039911" name="Text Placeholder 3"/>
+          <p:cNvPr id="88800615" name="Text Placeholder 3"/>
           <p:cNvSpPr>
             <a:spLocks noGrp="1"/>
           </p:cNvSpPr>
@@ -3524,7 +3524,7 @@
       </p:sp>
       <p:sp>
         <p:nvSpPr>
-          <p:cNvPr id="1489753469" name="Date Placeholder 4"/>
+          <p:cNvPr id="1973051502" name="Date Placeholder 4"/>
           <p:cNvSpPr>
             <a:spLocks noGrp="1"/>
           </p:cNvSpPr>
@@ -3550,7 +3550,7 @@
       </p:sp>
       <p:sp>
         <p:nvSpPr>
-          <p:cNvPr id="87747921" name="Footer Placeholder 5"/>
+          <p:cNvPr id="936760764" name="Footer Placeholder 5"/>
           <p:cNvSpPr>
             <a:spLocks noGrp="1"/>
           </p:cNvSpPr>
@@ -3572,7 +3572,7 @@
       </p:sp>
       <p:sp>
         <p:nvSpPr>
-          <p:cNvPr id="1622197754" name="Slide Number Placeholder 6"/>
+          <p:cNvPr id="1713361104" name="Slide Number Placeholder 6"/>
           <p:cNvSpPr>
             <a:spLocks noGrp="1"/>
           </p:cNvSpPr>
@@ -3659,7 +3659,7 @@
       </p:grpSpPr>
       <p:sp>
         <p:nvSpPr>
-          <p:cNvPr id="432571821" name="Title Placeholder 1"/>
+          <p:cNvPr id="1195825540" name="Title Placeholder 1"/>
           <p:cNvSpPr>
             <a:spLocks noGrp="1"/>
           </p:cNvSpPr>
@@ -3695,7 +3695,7 @@
       </p:sp>
       <p:sp>
         <p:nvSpPr>
-          <p:cNvPr id="1623297733" name="Text Placeholder 2"/>
+          <p:cNvPr id="1826123718" name="Text Placeholder 2"/>
           <p:cNvSpPr>
             <a:spLocks noGrp="1"/>
           </p:cNvSpPr>
@@ -3771,7 +3771,7 @@
       </p:sp>
       <p:sp>
         <p:nvSpPr>
-          <p:cNvPr id="1917309205" name="Date Placeholder 3"/>
+          <p:cNvPr id="865946999" name="Date Placeholder 3"/>
           <p:cNvSpPr>
             <a:spLocks noGrp="1"/>
           </p:cNvSpPr>
@@ -3815,7 +3815,7 @@
       </p:sp>
       <p:sp>
         <p:nvSpPr>
-          <p:cNvPr id="992389310" name="Footer Placeholder 4"/>
+          <p:cNvPr id="631389328" name="Footer Placeholder 4"/>
           <p:cNvSpPr>
             <a:spLocks noGrp="1"/>
           </p:cNvSpPr>
@@ -3855,7 +3855,7 @@
       </p:sp>
       <p:sp>
         <p:nvSpPr>
-          <p:cNvPr id="2104349628" name="Slide Number Placeholder 5"/>
+          <p:cNvPr id="1726104852" name="Slide Number Placeholder 5"/>
           <p:cNvSpPr>
             <a:spLocks noGrp="1"/>
           </p:cNvSpPr>
@@ -4288,9 +4288,9 @@
                 <a:solidFill>
                   <a:srgbClr val="33FF00"/>
                 </a:solidFill>
-                <a:latin typeface="OCR A Extended"/>
-                <a:ea typeface="OCR A Extended"/>
-                <a:cs typeface="OCR A Extended"/>
+                <a:latin typeface="Courier New"/>
+                <a:ea typeface="Courier New"/>
+                <a:cs typeface="Courier New"/>
               </a:rPr>
               <a:t>A secure full stack application for developers</a:t>
             </a:r>
@@ -4298,8 +4298,8 @@
               <a:solidFill>
                 <a:srgbClr val="33FF00"/>
               </a:solidFill>
-              <a:latin typeface="OCR A Extended"/>
-              <a:cs typeface="OCR A Extended"/>
+              <a:latin typeface="Courier New"/>
+              <a:cs typeface="Courier New"/>
             </a:endParaRPr>
           </a:p>
           <a:p>
@@ -4311,9 +4311,9 @@
                 <a:solidFill>
                   <a:srgbClr val="33FF00"/>
                 </a:solidFill>
-                <a:latin typeface="OCR A Extended"/>
-                <a:ea typeface="OCR A Extended"/>
-                <a:cs typeface="OCR A Extended"/>
+                <a:latin typeface="Courier New"/>
+                <a:ea typeface="Courier New"/>
+                <a:cs typeface="Courier New"/>
               </a:rPr>
               <a:t>Centralized platform to manage projects, crediantials, notes and certificates.</a:t>
             </a:r>
@@ -4321,8 +4321,8 @@
               <a:solidFill>
                 <a:srgbClr val="33FF00"/>
               </a:solidFill>
-              <a:latin typeface="OCR A Extended"/>
-              <a:cs typeface="OCR A Extended"/>
+              <a:latin typeface="Courier New"/>
+              <a:cs typeface="Courier New"/>
             </a:endParaRPr>
           </a:p>
           <a:p>
@@ -4334,9 +4334,9 @@
                 <a:solidFill>
                   <a:srgbClr val="33FF00"/>
                 </a:solidFill>
-                <a:latin typeface="OCR A Extended"/>
-                <a:ea typeface="OCR A Extended"/>
-                <a:cs typeface="OCR A Extended"/>
+                <a:latin typeface="Courier New"/>
+                <a:ea typeface="Courier New"/>
+                <a:cs typeface="Courier New"/>
               </a:rPr>
               <a:t>Built using ReactJS, Springboot, PostgreSQL</a:t>
             </a:r>
@@ -4344,8 +4344,8 @@
               <a:solidFill>
                 <a:srgbClr val="33FF00"/>
               </a:solidFill>
-              <a:latin typeface="OCR A Extended"/>
-              <a:cs typeface="OCR A Extended"/>
+              <a:latin typeface="Courier New"/>
+              <a:cs typeface="Courier New"/>
             </a:endParaRPr>
           </a:p>
           <a:p>
@@ -4357,9 +4357,9 @@
                 <a:solidFill>
                   <a:srgbClr val="33FF00"/>
                 </a:solidFill>
-                <a:latin typeface="OCR A Extended"/>
-                <a:ea typeface="OCR A Extended"/>
-                <a:cs typeface="OCR A Extended"/>
+                <a:latin typeface="Courier New"/>
+                <a:ea typeface="Courier New"/>
+                <a:cs typeface="Courier New"/>
               </a:rPr>
               <a:t>Implements JWT Authentication and AES Encryption</a:t>
             </a:r>
@@ -4367,8 +4367,8 @@
               <a:solidFill>
                 <a:srgbClr val="33FF00"/>
               </a:solidFill>
-              <a:latin typeface="OCR A Extended"/>
-              <a:cs typeface="OCR A Extended"/>
+              <a:latin typeface="Courier New"/>
+              <a:cs typeface="Courier New"/>
             </a:endParaRPr>
           </a:p>
         </p:txBody>
@@ -4421,9 +4421,8 @@
               <a:highlight>
                 <a:srgbClr val="00008B"/>
               </a:highlight>
-              <a:latin typeface="OCR A Extended"/>
-              <a:ea typeface="OCR A Extended"/>
-              <a:cs typeface="OCR A Extended"/>
+              <a:latin typeface="Courier New"/>
+              <a:cs typeface="Courier New"/>
             </a:endParaRPr>
           </a:p>
           <a:p>
@@ -4435,9 +4434,9 @@
                 <a:solidFill>
                   <a:srgbClr val="33FF00"/>
                 </a:solidFill>
-                <a:latin typeface="OCR A Extended"/>
-                <a:ea typeface="OCR A Extended"/>
-                <a:cs typeface="OCR A Extended"/>
+                <a:latin typeface="Courier New"/>
+                <a:ea typeface="Courier New"/>
+                <a:cs typeface="Courier New"/>
               </a:rPr>
               <a:t>Individual Academic Project</a:t>
             </a:r>
@@ -4448,9 +4447,8 @@
               <a:highlight>
                 <a:srgbClr val="00008B"/>
               </a:highlight>
-              <a:latin typeface="OCR A Extended"/>
-              <a:ea typeface="OCR A Extended"/>
-              <a:cs typeface="OCR A Extended"/>
+              <a:latin typeface="Courier New"/>
+              <a:cs typeface="Courier New"/>
             </a:endParaRPr>
           </a:p>
           <a:p>
@@ -4480,9 +4478,8 @@
               <a:highlight>
                 <a:srgbClr val="00008B"/>
               </a:highlight>
-              <a:latin typeface="OCR A Extended"/>
-              <a:ea typeface="OCR A Extended"/>
-              <a:cs typeface="OCR A Extended"/>
+              <a:latin typeface="Courier New"/>
+              <a:cs typeface="Courier New"/>
             </a:endParaRPr>
           </a:p>
           <a:p>
@@ -4494,9 +4491,9 @@
                 <a:solidFill>
                   <a:srgbClr val="33FF00"/>
                 </a:solidFill>
-                <a:latin typeface="OCR A Extended"/>
-                <a:ea typeface="OCR A Extended"/>
-                <a:cs typeface="OCR A Extended"/>
+                <a:latin typeface="Courier New"/>
+                <a:ea typeface="Courier New"/>
+                <a:cs typeface="Courier New"/>
               </a:rPr>
               <a:t>React.JS</a:t>
             </a:r>
@@ -4504,9 +4501,8 @@
               <a:solidFill>
                 <a:srgbClr val="33FF00"/>
               </a:solidFill>
-              <a:latin typeface="OCR A Extended"/>
-              <a:ea typeface="OCR A Extended"/>
-              <a:cs typeface="OCR A Extended"/>
+              <a:latin typeface="Courier New"/>
+              <a:cs typeface="Courier New"/>
             </a:endParaRPr>
           </a:p>
           <a:p>
@@ -4518,9 +4514,9 @@
                 <a:solidFill>
                   <a:srgbClr val="33FF00"/>
                 </a:solidFill>
-                <a:latin typeface="OCR A Extended"/>
-                <a:ea typeface="OCR A Extended"/>
-                <a:cs typeface="OCR A Extended"/>
+                <a:latin typeface="Courier New"/>
+                <a:ea typeface="Courier New"/>
+                <a:cs typeface="Courier New"/>
               </a:rPr>
               <a:t>SpringBoot</a:t>
             </a:r>
@@ -4528,9 +4524,8 @@
               <a:solidFill>
                 <a:srgbClr val="33FF00"/>
               </a:solidFill>
-              <a:latin typeface="OCR A Extended"/>
-              <a:ea typeface="OCR A Extended"/>
-              <a:cs typeface="OCR A Extended"/>
+              <a:latin typeface="Courier New"/>
+              <a:cs typeface="Courier New"/>
             </a:endParaRPr>
           </a:p>
           <a:p>
@@ -4542,9 +4537,9 @@
                 <a:solidFill>
                   <a:srgbClr val="33FF00"/>
                 </a:solidFill>
-                <a:latin typeface="OCR A Extended"/>
-                <a:ea typeface="OCR A Extended"/>
-                <a:cs typeface="OCR A Extended"/>
+                <a:latin typeface="Courier New"/>
+                <a:ea typeface="Courier New"/>
+                <a:cs typeface="Courier New"/>
               </a:rPr>
               <a:t>PostgreSQL</a:t>
             </a:r>
@@ -4552,9 +4547,8 @@
               <a:solidFill>
                 <a:srgbClr val="33FF00"/>
               </a:solidFill>
-              <a:latin typeface="OCR A Extended"/>
-              <a:ea typeface="OCR A Extended"/>
-              <a:cs typeface="OCR A Extended"/>
+              <a:latin typeface="Courier New"/>
+              <a:cs typeface="Courier New"/>
             </a:endParaRPr>
           </a:p>
           <a:p>
@@ -4566,9 +4560,9 @@
                 <a:solidFill>
                   <a:srgbClr val="33FF00"/>
                 </a:solidFill>
-                <a:latin typeface="OCR A Extended"/>
-                <a:ea typeface="OCR A Extended"/>
-                <a:cs typeface="OCR A Extended"/>
+                <a:latin typeface="Courier New"/>
+                <a:ea typeface="Courier New"/>
+                <a:cs typeface="Courier New"/>
               </a:rPr>
               <a:t>JWT</a:t>
             </a:r>
@@ -4576,9 +4570,8 @@
               <a:solidFill>
                 <a:srgbClr val="33FF00"/>
               </a:solidFill>
-              <a:latin typeface="OCR A Extended"/>
-              <a:ea typeface="OCR A Extended"/>
-              <a:cs typeface="OCR A Extended"/>
+              <a:latin typeface="Courier New"/>
+              <a:cs typeface="Courier New"/>
             </a:endParaRPr>
           </a:p>
           <a:p>
@@ -4590,20 +4583,41 @@
                 <a:solidFill>
                   <a:srgbClr val="33FF00"/>
                 </a:solidFill>
-                <a:latin typeface="OCR A Extended"/>
-                <a:ea typeface="OCR A Extended"/>
-                <a:cs typeface="OCR A Extended"/>
+                <a:latin typeface="Courier New"/>
+                <a:ea typeface="Courier New"/>
+                <a:cs typeface="Courier New"/>
               </a:rPr>
               <a:t>AES</a:t>
             </a:r>
             <a:endParaRPr sz="2600">
-              <a:latin typeface="OCR A Extended"/>
-              <a:ea typeface="OCR A Extended"/>
-              <a:cs typeface="OCR A Extended"/>
+              <a:latin typeface="Courier New"/>
+              <a:cs typeface="Courier New"/>
             </a:endParaRPr>
           </a:p>
         </p:txBody>
       </p:sp>
+      <p:pic>
+        <p:nvPicPr>
+          <p:cNvPr id="1156852263" name=""/>
+          <p:cNvPicPr>
+            <a:picLocks noChangeAspect="1"/>
+          </p:cNvPicPr>
+          <p:nvPr/>
+        </p:nvPicPr>
+        <p:blipFill>
+          <a:blip r:embed="rId3"/>
+          <a:stretch/>
+        </p:blipFill>
+        <p:spPr bwMode="auto">
+          <a:xfrm flipH="0" flipV="0">
+            <a:off x="838199" y="257823"/>
+            <a:ext cx="1432864" cy="1432864"/>
+          </a:xfrm>
+          <a:prstGeom prst="rect">
+            <a:avLst/>
+          </a:prstGeom>
+        </p:spPr>
+      </p:pic>
     </p:spTree>
   </p:cSld>
   <p:clrMapOvr>
@@ -4694,7 +4708,9 @@
         </p:nvSpPr>
         <p:spPr bwMode="auto"/>
         <p:txBody>
-          <a:bodyPr/>
+          <a:bodyPr vertOverflow="overflow" horzOverflow="overflow" vert="horz" wrap="square" lIns="91440" tIns="45720" rIns="91440" bIns="45720" numCol="1" spcCol="0" rtlCol="0" fromWordArt="0" anchor="t" anchorCtr="0" forceAA="0" upright="0" compatLnSpc="0">
+            <a:normAutofit fontScale="95000" lnSpcReduction="1000"/>
+          </a:bodyPr>
           <a:lstStyle/>
           <a:p>
             <a:pPr marL="0" indent="0">
@@ -4723,9 +4739,8 @@
               <a:highlight>
                 <a:srgbClr val="00008B"/>
               </a:highlight>
-              <a:latin typeface="OCR A Extended"/>
-              <a:ea typeface="OCR A Extended"/>
-              <a:cs typeface="OCR A Extended"/>
+              <a:latin typeface="Courier New"/>
+              <a:cs typeface="Courier New"/>
             </a:endParaRPr>
           </a:p>
           <a:p>
@@ -4733,18 +4748,71 @@
               <a:defRPr/>
             </a:pPr>
             <a:r>
-              <a:rPr sz="2400">
+              <a:rPr sz="2400" b="0">
                 <a:solidFill>
-                  <a:srgbClr val="33FF00"/>
+                  <a:srgbClr val="FFFF00"/>
                 </a:solidFill>
-                <a:highlight>
-                  <a:srgbClr val="00008B"/>
-                </a:highlight>
                 <a:latin typeface="OCR A Extended"/>
                 <a:ea typeface="OCR A Extended"/>
                 <a:cs typeface="OCR A Extended"/>
               </a:rPr>
               <a:t>Scattered Information:</a:t>
+            </a:r>
+            <a:r>
+              <a:rPr sz="2400" b="0">
+                <a:solidFill>
+                  <a:srgbClr val="33FF00"/>
+                </a:solidFill>
+                <a:latin typeface="OCR A Extended"/>
+                <a:ea typeface="OCR A Extended"/>
+                <a:cs typeface="OCR A Extended"/>
+              </a:rPr>
+              <a:t> </a:t>
+            </a:r>
+            <a:r>
+              <a:rPr sz="2400">
+                <a:solidFill>
+                  <a:srgbClr val="33FF00"/>
+                </a:solidFill>
+                <a:latin typeface="Courier New"/>
+                <a:ea typeface="Courier New"/>
+                <a:cs typeface="Courier New"/>
+              </a:rPr>
+              <a:t>Project details spread among multiple platforms</a:t>
+            </a:r>
+            <a:r>
+              <a:rPr sz="2400">
+                <a:solidFill>
+                  <a:srgbClr val="33FF00"/>
+                </a:solidFill>
+                <a:latin typeface="Courier New"/>
+                <a:ea typeface="Courier New"/>
+                <a:cs typeface="Courier New"/>
+              </a:rPr>
+              <a:t>;</a:t>
+            </a:r>
+            <a:endParaRPr sz="2400">
+              <a:solidFill>
+                <a:srgbClr val="33FF00"/>
+              </a:solidFill>
+              <a:latin typeface="Courier New"/>
+              <a:cs typeface="Courier New"/>
+            </a:endParaRPr>
+          </a:p>
+          <a:p>
+            <a:pPr>
+              <a:defRPr/>
+            </a:pPr>
+            <a:r>
+              <a:rPr sz="2400">
+                <a:solidFill>
+                  <a:srgbClr val="FFFF00"/>
+                </a:solidFill>
+                <a:latin typeface="OCR A Extended"/>
+                <a:ea typeface="OCR A Extended"/>
+                <a:cs typeface="OCR A Extended"/>
+              </a:rPr>
+              <a:t>Insecure Storage:</a:t>
             </a:r>
             <a:r>
               <a:rPr sz="2400">
@@ -4755,7 +4823,75 @@
                 <a:ea typeface="OCR A Extended"/>
                 <a:cs typeface="OCR A Extended"/>
               </a:rPr>
-              <a:t> Project details spread among multiple platforms</a:t>
+              <a:t> </a:t>
+            </a:r>
+            <a:r>
+              <a:rPr sz="2400">
+                <a:solidFill>
+                  <a:srgbClr val="33FF00"/>
+                </a:solidFill>
+                <a:latin typeface="Courier New"/>
+                <a:ea typeface="Courier New"/>
+                <a:cs typeface="Courier New"/>
+              </a:rPr>
+              <a:t>API keys and passwords are stored in plain texts;</a:t>
+            </a:r>
+            <a:endParaRPr sz="2400">
+              <a:solidFill>
+                <a:srgbClr val="33FF00"/>
+              </a:solidFill>
+              <a:latin typeface="Courier New"/>
+              <a:cs typeface="Courier New"/>
+            </a:endParaRPr>
+          </a:p>
+          <a:p>
+            <a:pPr>
+              <a:defRPr/>
+            </a:pPr>
+            <a:r>
+              <a:rPr sz="2400">
+                <a:solidFill>
+                  <a:srgbClr val="FFFF00"/>
+                </a:solidFill>
+                <a:latin typeface="OCR A Extended"/>
+                <a:ea typeface="OCR A Extended"/>
+                <a:cs typeface="OCR A Extended"/>
+              </a:rPr>
+              <a:t>Unorganized Documentation: </a:t>
+            </a:r>
+            <a:r>
+              <a:rPr sz="2400">
+                <a:solidFill>
+                  <a:srgbClr val="33FF00"/>
+                </a:solidFill>
+                <a:latin typeface="Courier New"/>
+                <a:ea typeface="Courier New"/>
+                <a:cs typeface="Courier New"/>
+              </a:rPr>
+              <a:t>Notes and certificates without proper organization;</a:t>
+            </a:r>
+            <a:endParaRPr sz="2400">
+              <a:solidFill>
+                <a:srgbClr val="33FF00"/>
+              </a:solidFill>
+              <a:latin typeface="Courier New"/>
+              <a:cs typeface="Courier New"/>
+            </a:endParaRPr>
+          </a:p>
+          <a:p>
+            <a:pPr>
+              <a:defRPr/>
+            </a:pPr>
+            <a:r>
+              <a:rPr sz="2400">
+                <a:solidFill>
+                  <a:srgbClr val="FFFF00"/>
+                </a:solidFill>
+                <a:latin typeface="OCR A Extended"/>
+                <a:ea typeface="OCR A Extended"/>
+                <a:cs typeface="OCR A Extended"/>
+              </a:rPr>
+              <a:t>No Portfolio Management:</a:t>
             </a:r>
             <a:r>
               <a:rPr sz="2400">
@@ -4766,15 +4902,25 @@
                 <a:ea typeface="OCR A Extended"/>
                 <a:cs typeface="OCR A Extended"/>
               </a:rPr>
-              <a:t>;</a:t>
+              <a:t> </a:t>
+            </a:r>
+            <a:r>
+              <a:rPr sz="2400">
+                <a:solidFill>
+                  <a:srgbClr val="33FF00"/>
+                </a:solidFill>
+                <a:latin typeface="Courier New"/>
+                <a:ea typeface="Courier New"/>
+                <a:cs typeface="Courier New"/>
+              </a:rPr>
+              <a:t>Lack of unified view of personal projects;</a:t>
             </a:r>
             <a:endParaRPr sz="2400">
               <a:solidFill>
                 <a:srgbClr val="33FF00"/>
               </a:solidFill>
-              <a:latin typeface="OCR A Extended"/>
-              <a:ea typeface="OCR A Extended"/>
-              <a:cs typeface="OCR A Extended"/>
+              <a:latin typeface="Courier New"/>
+              <a:cs typeface="Courier New"/>
             </a:endParaRPr>
           </a:p>
           <a:p>
@@ -4784,139 +4930,22 @@
             <a:r>
               <a:rPr sz="2400">
                 <a:solidFill>
-                  <a:srgbClr val="33FF00"/>
-                </a:solidFill>
-                <a:highlight>
-                  <a:srgbClr val="00008B"/>
-                </a:highlight>
-                <a:latin typeface="OCR A Extended"/>
-                <a:ea typeface="OCR A Extended"/>
-                <a:cs typeface="OCR A Extended"/>
-              </a:rPr>
-              <a:t>Insecure Storage: </a:t>
-            </a:r>
-            <a:r>
-              <a:rPr sz="2400">
-                <a:solidFill>
-                  <a:srgbClr val="33FF00"/>
+                  <a:srgbClr val="FFFF00"/>
                 </a:solidFill>
                 <a:latin typeface="OCR A Extended"/>
                 <a:ea typeface="OCR A Extended"/>
                 <a:cs typeface="OCR A Extended"/>
               </a:rPr>
-              <a:t>API keys and passwords are stored in plain texts;</a:t>
-            </a:r>
-            <a:endParaRPr sz="2400">
-              <a:solidFill>
-                <a:srgbClr val="33FF00"/>
-              </a:solidFill>
-              <a:latin typeface="OCR A Extended"/>
-              <a:ea typeface="OCR A Extended"/>
-              <a:cs typeface="OCR A Extended"/>
-            </a:endParaRPr>
-          </a:p>
-          <a:p>
-            <a:pPr>
-              <a:defRPr/>
-            </a:pPr>
+              <a:t>Security Vulnerabilities: </a:t>
+            </a:r>
             <a:r>
               <a:rPr sz="2400">
                 <a:solidFill>
                   <a:srgbClr val="33FF00"/>
                 </a:solidFill>
-                <a:highlight>
-                  <a:srgbClr val="00008B"/>
-                </a:highlight>
-                <a:latin typeface="OCR A Extended"/>
-                <a:ea typeface="OCR A Extended"/>
-                <a:cs typeface="OCR A Extended"/>
-              </a:rPr>
-              <a:t>Unorganized Documentation: </a:t>
-            </a:r>
-            <a:r>
-              <a:rPr sz="2400">
-                <a:solidFill>
-                  <a:srgbClr val="33FF00"/>
-                </a:solidFill>
-                <a:latin typeface="OCR A Extended"/>
-                <a:ea typeface="OCR A Extended"/>
-                <a:cs typeface="OCR A Extended"/>
-              </a:rPr>
-              <a:t>Notes and certificates without proper organization;</a:t>
-            </a:r>
-            <a:endParaRPr sz="2400">
-              <a:solidFill>
-                <a:srgbClr val="33FF00"/>
-              </a:solidFill>
-              <a:latin typeface="OCR A Extended"/>
-              <a:ea typeface="OCR A Extended"/>
-              <a:cs typeface="OCR A Extended"/>
-            </a:endParaRPr>
-          </a:p>
-          <a:p>
-            <a:pPr>
-              <a:defRPr/>
-            </a:pPr>
-            <a:r>
-              <a:rPr sz="2400">
-                <a:solidFill>
-                  <a:srgbClr val="33FF00"/>
-                </a:solidFill>
-                <a:highlight>
-                  <a:srgbClr val="00008B"/>
-                </a:highlight>
-                <a:latin typeface="OCR A Extended"/>
-                <a:ea typeface="OCR A Extended"/>
-                <a:cs typeface="OCR A Extended"/>
-              </a:rPr>
-              <a:t>No Portfolio Management: </a:t>
-            </a:r>
-            <a:r>
-              <a:rPr sz="2400">
-                <a:solidFill>
-                  <a:srgbClr val="33FF00"/>
-                </a:solidFill>
-                <a:latin typeface="OCR A Extended"/>
-                <a:ea typeface="OCR A Extended"/>
-                <a:cs typeface="OCR A Extended"/>
-              </a:rPr>
-              <a:t>Lack of unified view of personal projects;</a:t>
-            </a:r>
-            <a:endParaRPr sz="2400">
-              <a:solidFill>
-                <a:srgbClr val="33FF00"/>
-              </a:solidFill>
-              <a:latin typeface="OCR A Extended"/>
-              <a:ea typeface="OCR A Extended"/>
-              <a:cs typeface="OCR A Extended"/>
-            </a:endParaRPr>
-          </a:p>
-          <a:p>
-            <a:pPr>
-              <a:defRPr/>
-            </a:pPr>
-            <a:r>
-              <a:rPr sz="2400">
-                <a:solidFill>
-                  <a:srgbClr val="33FF00"/>
-                </a:solidFill>
-                <a:highlight>
-                  <a:srgbClr val="00008B"/>
-                </a:highlight>
-                <a:latin typeface="OCR A Extended"/>
-                <a:ea typeface="OCR A Extended"/>
-                <a:cs typeface="OCR A Extended"/>
-              </a:rPr>
-              <a:t>Security Vulnerabilities: </a:t>
-            </a:r>
-            <a:r>
-              <a:rPr sz="2400">
-                <a:solidFill>
-                  <a:srgbClr val="33FF00"/>
-                </a:solidFill>
-                <a:latin typeface="OCR A Extended"/>
-                <a:ea typeface="OCR A Extended"/>
-                <a:cs typeface="OCR A Extended"/>
+                <a:latin typeface="Courier New"/>
+                <a:ea typeface="Courier New"/>
+                <a:cs typeface="Courier New"/>
               </a:rPr>
               <a:t>Risk of credential exposure and data breaches;</a:t>
             </a:r>
@@ -4927,12 +4956,34 @@
               <a:highlight>
                 <a:srgbClr val="00008B"/>
               </a:highlight>
-              <a:latin typeface="OCR A Extended"/>
-              <a:cs typeface="OCR A Extended"/>
+              <a:latin typeface="Courier New"/>
+              <a:cs typeface="Courier New"/>
             </a:endParaRPr>
           </a:p>
         </p:txBody>
       </p:sp>
+      <p:pic>
+        <p:nvPicPr>
+          <p:cNvPr id="149886435" name=""/>
+          <p:cNvPicPr>
+            <a:picLocks noChangeAspect="1"/>
+          </p:cNvPicPr>
+          <p:nvPr/>
+        </p:nvPicPr>
+        <p:blipFill>
+          <a:blip r:embed="rId3"/>
+          <a:stretch/>
+        </p:blipFill>
+        <p:spPr bwMode="auto">
+          <a:xfrm flipH="0" flipV="0">
+            <a:off x="9998528" y="291063"/>
+            <a:ext cx="1800257" cy="1800257"/>
+          </a:xfrm>
+          <a:prstGeom prst="rect">
+            <a:avLst/>
+          </a:prstGeom>
+        </p:spPr>
+      </p:pic>
     </p:spTree>
   </p:cSld>
   <p:clrMapOvr>
@@ -4968,7 +5019,7 @@
       </p:grpSpPr>
       <p:sp>
         <p:nvSpPr>
-          <p:cNvPr id="230037993" name="Title 1"/>
+          <p:cNvPr id="904228170" name="Title 1"/>
           <p:cNvSpPr>
             <a:spLocks noGrp="1"/>
           </p:cNvSpPr>
@@ -4981,16 +5032,39 @@
           <a:bodyPr/>
           <a:lstStyle/>
           <a:p>
-            <a:pPr>
-              <a:defRPr/>
-            </a:pPr>
-            <a:endParaRPr/>
-          </a:p>
-        </p:txBody>
-      </p:sp>
-      <p:sp>
-        <p:nvSpPr>
-          <p:cNvPr id="1305902459" name="Content Placeholder 2"/>
+            <a:pPr algn="ctr">
+              <a:defRPr/>
+            </a:pPr>
+            <a:r>
+              <a:rPr b="0">
+                <a:solidFill>
+                  <a:srgbClr val="33FF00"/>
+                </a:solidFill>
+                <a:highlight>
+                  <a:srgbClr val="00008B"/>
+                </a:highlight>
+                <a:latin typeface="OCR A Extended"/>
+                <a:ea typeface="OCR A Extended"/>
+                <a:cs typeface="OCR A Extended"/>
+              </a:rPr>
+              <a:t>Objectives</a:t>
+            </a:r>
+            <a:endParaRPr b="0">
+              <a:solidFill>
+                <a:srgbClr val="33FF00"/>
+              </a:solidFill>
+              <a:highlight>
+                <a:srgbClr val="00008B"/>
+              </a:highlight>
+              <a:latin typeface="OCR A Extended"/>
+              <a:cs typeface="OCR A Extended"/>
+            </a:endParaRPr>
+          </a:p>
+        </p:txBody>
+      </p:sp>
+      <p:sp>
+        <p:nvSpPr>
+          <p:cNvPr id="1979759892" name="Content Placeholder 2"/>
           <p:cNvSpPr>
             <a:spLocks noGrp="1"/>
           </p:cNvSpPr>
@@ -5008,16 +5082,113 @@
           <a:bodyPr/>
           <a:lstStyle/>
           <a:p>
-            <a:pPr>
-              <a:defRPr/>
-            </a:pPr>
-            <a:endParaRPr/>
-          </a:p>
-        </p:txBody>
-      </p:sp>
-      <p:sp>
-        <p:nvSpPr>
-          <p:cNvPr id="2124588749" name="Content Placeholder 3"/>
+            <a:pPr marL="0" indent="0">
+              <a:buFont typeface="Arial"/>
+              <a:buNone/>
+              <a:defRPr/>
+            </a:pPr>
+            <a:r>
+              <a:rPr>
+                <a:solidFill>
+                  <a:srgbClr val="33FF00"/>
+                </a:solidFill>
+                <a:highlight>
+                  <a:srgbClr val="00008B"/>
+                </a:highlight>
+                <a:latin typeface="OCR A Extended"/>
+                <a:ea typeface="OCR A Extended"/>
+                <a:cs typeface="OCR A Extended"/>
+              </a:rPr>
+              <a:t>Primary Objectives:</a:t>
+            </a:r>
+            <a:endParaRPr>
+              <a:solidFill>
+                <a:srgbClr val="33FF00"/>
+              </a:solidFill>
+              <a:highlight>
+                <a:srgbClr val="00008B"/>
+              </a:highlight>
+              <a:latin typeface="OCR A Extended"/>
+              <a:ea typeface="OCR A Extended"/>
+              <a:cs typeface="OCR A Extended"/>
+            </a:endParaRPr>
+          </a:p>
+          <a:p>
+            <a:pPr>
+              <a:defRPr/>
+            </a:pPr>
+            <a:r>
+              <a:rPr sz="2400">
+                <a:solidFill>
+                  <a:srgbClr val="33FF00"/>
+                </a:solidFill>
+                <a:latin typeface="Courier New"/>
+                <a:ea typeface="Courier New"/>
+                <a:cs typeface="Courier New"/>
+              </a:rPr>
+              <a:t>Develop a secure credential management system using AES Encryption;</a:t>
+            </a:r>
+            <a:endParaRPr sz="2400">
+              <a:solidFill>
+                <a:srgbClr val="33FF00"/>
+              </a:solidFill>
+              <a:latin typeface="Courier New"/>
+              <a:ea typeface="Courier New"/>
+              <a:cs typeface="Courier New"/>
+            </a:endParaRPr>
+          </a:p>
+          <a:p>
+            <a:pPr>
+              <a:defRPr/>
+            </a:pPr>
+            <a:r>
+              <a:rPr sz="2400">
+                <a:solidFill>
+                  <a:srgbClr val="33FF00"/>
+                </a:solidFill>
+                <a:latin typeface="Courier New"/>
+                <a:ea typeface="Courier New"/>
+                <a:cs typeface="Courier New"/>
+              </a:rPr>
+              <a:t>Create centralized storage for projects, credentials, notes and certificates;</a:t>
+            </a:r>
+            <a:endParaRPr sz="2400">
+              <a:solidFill>
+                <a:srgbClr val="33FF00"/>
+              </a:solidFill>
+              <a:latin typeface="Courier New"/>
+              <a:ea typeface="Courier New"/>
+              <a:cs typeface="Courier New"/>
+            </a:endParaRPr>
+          </a:p>
+          <a:p>
+            <a:pPr>
+              <a:defRPr/>
+            </a:pPr>
+            <a:r>
+              <a:rPr sz="2400">
+                <a:solidFill>
+                  <a:srgbClr val="33FF00"/>
+                </a:solidFill>
+                <a:latin typeface="Courier New"/>
+                <a:ea typeface="Courier New"/>
+                <a:cs typeface="Courier New"/>
+              </a:rPr>
+              <a:t>Implement JWT based Authentication;</a:t>
+            </a:r>
+            <a:endParaRPr sz="2400">
+              <a:solidFill>
+                <a:srgbClr val="33FF00"/>
+              </a:solidFill>
+              <a:latin typeface="Courier New"/>
+              <a:cs typeface="Courier New"/>
+            </a:endParaRPr>
+          </a:p>
+        </p:txBody>
+      </p:sp>
+      <p:sp>
+        <p:nvSpPr>
+          <p:cNvPr id="123334450" name="Content Placeholder 3"/>
           <p:cNvSpPr>
             <a:spLocks noGrp="1"/>
           </p:cNvSpPr>
@@ -5035,10 +5206,131 @@
           <a:bodyPr/>
           <a:lstStyle/>
           <a:p>
-            <a:pPr>
-              <a:defRPr/>
-            </a:pPr>
-            <a:endParaRPr/>
+            <a:pPr marL="0" indent="0">
+              <a:buFont typeface="Arial"/>
+              <a:buNone/>
+              <a:defRPr/>
+            </a:pPr>
+            <a:r>
+              <a:rPr>
+                <a:solidFill>
+                  <a:srgbClr val="33FF00"/>
+                </a:solidFill>
+                <a:highlight>
+                  <a:srgbClr val="00008B"/>
+                </a:highlight>
+                <a:latin typeface="OCR A Extended"/>
+                <a:ea typeface="OCR A Extended"/>
+                <a:cs typeface="OCR A Extended"/>
+              </a:rPr>
+              <a:t>Learning Objectives:</a:t>
+            </a:r>
+            <a:endParaRPr>
+              <a:latin typeface="OCR A Extended"/>
+              <a:cs typeface="OCR A Extended"/>
+            </a:endParaRPr>
+          </a:p>
+          <a:p>
+            <a:pPr>
+              <a:defRPr/>
+            </a:pPr>
+            <a:r>
+              <a:rPr sz="2400">
+                <a:solidFill>
+                  <a:srgbClr val="33FF00"/>
+                </a:solidFill>
+                <a:latin typeface="Courier New"/>
+                <a:ea typeface="Courier New"/>
+                <a:cs typeface="Courier New"/>
+              </a:rPr>
+              <a:t>Master full-stack development (ReactJS+SpringBoot);</a:t>
+            </a:r>
+            <a:endParaRPr sz="2400">
+              <a:solidFill>
+                <a:srgbClr val="33FF00"/>
+              </a:solidFill>
+              <a:latin typeface="Courier New"/>
+              <a:cs typeface="Courier New"/>
+            </a:endParaRPr>
+          </a:p>
+          <a:p>
+            <a:pPr>
+              <a:defRPr/>
+            </a:pPr>
+            <a:r>
+              <a:rPr sz="2400">
+                <a:solidFill>
+                  <a:srgbClr val="33FF00"/>
+                </a:solidFill>
+                <a:latin typeface="Courier New"/>
+                <a:cs typeface="Courier New"/>
+              </a:rPr>
+              <a:t>Understand cybersecurity implementation(JWT+AES);</a:t>
+            </a:r>
+            <a:endParaRPr sz="2400">
+              <a:solidFill>
+                <a:srgbClr val="33FF00"/>
+              </a:solidFill>
+              <a:latin typeface="Courier New"/>
+              <a:cs typeface="Courier New"/>
+            </a:endParaRPr>
+          </a:p>
+          <a:p>
+            <a:pPr>
+              <a:defRPr/>
+            </a:pPr>
+            <a:r>
+              <a:rPr sz="2400">
+                <a:solidFill>
+                  <a:srgbClr val="33FF00"/>
+                </a:solidFill>
+                <a:latin typeface="Courier New"/>
+                <a:cs typeface="Courier New"/>
+              </a:rPr>
+              <a:t>Gain experience in System Design and Database management;</a:t>
+            </a:r>
+            <a:endParaRPr sz="2400">
+              <a:solidFill>
+                <a:srgbClr val="33FF00"/>
+              </a:solidFill>
+              <a:latin typeface="Courier New"/>
+              <a:cs typeface="Courier New"/>
+            </a:endParaRPr>
+          </a:p>
+          <a:p>
+            <a:pPr>
+              <a:defRPr/>
+            </a:pPr>
+            <a:r>
+              <a:rPr sz="2400">
+                <a:solidFill>
+                  <a:srgbClr val="33FF00"/>
+                </a:solidFill>
+                <a:latin typeface="Courier New"/>
+                <a:cs typeface="Courier New"/>
+              </a:rPr>
+              <a:t>Implement best practices;</a:t>
+            </a:r>
+            <a:endParaRPr sz="2400">
+              <a:solidFill>
+                <a:srgbClr val="33FF00"/>
+              </a:solidFill>
+              <a:latin typeface="Courier New"/>
+              <a:ea typeface="Courier New"/>
+              <a:cs typeface="Courier New"/>
+            </a:endParaRPr>
+          </a:p>
+          <a:p>
+            <a:pPr>
+              <a:defRPr/>
+            </a:pPr>
+            <a:endParaRPr sz="2400">
+              <a:solidFill>
+                <a:srgbClr val="33FF00"/>
+              </a:solidFill>
+              <a:latin typeface="Courier New"/>
+              <a:cs typeface="Courier New"/>
+            </a:endParaRPr>
           </a:p>
         </p:txBody>
       </p:sp>
@@ -5077,7 +5369,7 @@
       </p:grpSpPr>
       <p:sp>
         <p:nvSpPr>
-          <p:cNvPr id="1376926502" name="Title 1"/>
+          <p:cNvPr id="296813480" name="Title 1"/>
           <p:cNvSpPr>
             <a:spLocks noGrp="1"/>
           </p:cNvSpPr>
@@ -5090,64 +5382,299 @@
           <a:bodyPr/>
           <a:lstStyle/>
           <a:p>
-            <a:pPr>
-              <a:defRPr/>
-            </a:pPr>
-            <a:endParaRPr/>
-          </a:p>
-        </p:txBody>
-      </p:sp>
-      <p:sp>
-        <p:nvSpPr>
-          <p:cNvPr id="105804703" name="Content Placeholder 2"/>
-          <p:cNvSpPr>
-            <a:spLocks noGrp="1"/>
-          </p:cNvSpPr>
-          <p:nvPr>
-            <p:ph sz="half" idx="1"/>
-          </p:nvPr>
-        </p:nvSpPr>
-        <p:spPr bwMode="auto">
-          <a:xfrm>
-            <a:off x="838199" y="1825624"/>
-            <a:ext cx="5181599" cy="4351338"/>
-          </a:xfrm>
-        </p:spPr>
-        <p:txBody>
-          <a:bodyPr/>
-          <a:lstStyle/>
-          <a:p>
-            <a:pPr>
-              <a:defRPr/>
-            </a:pPr>
-            <a:endParaRPr/>
-          </a:p>
-        </p:txBody>
-      </p:sp>
-      <p:sp>
-        <p:nvSpPr>
-          <p:cNvPr id="742612596" name="Content Placeholder 3"/>
-          <p:cNvSpPr>
-            <a:spLocks noGrp="1"/>
-          </p:cNvSpPr>
-          <p:nvPr>
-            <p:ph sz="half" idx="2"/>
-          </p:nvPr>
-        </p:nvSpPr>
-        <p:spPr bwMode="auto">
-          <a:xfrm>
-            <a:off x="6172200" y="1825624"/>
-            <a:ext cx="5181599" cy="4351338"/>
-          </a:xfrm>
-        </p:spPr>
-        <p:txBody>
-          <a:bodyPr/>
-          <a:lstStyle/>
-          <a:p>
-            <a:pPr>
-              <a:defRPr/>
-            </a:pPr>
-            <a:endParaRPr/>
+            <a:pPr algn="ctr">
+              <a:defRPr/>
+            </a:pPr>
+            <a:r>
+              <a:rPr sz="4800">
+                <a:solidFill>
+                  <a:srgbClr val="33FF00"/>
+                </a:solidFill>
+                <a:highlight>
+                  <a:srgbClr val="00008B"/>
+                </a:highlight>
+                <a:latin typeface="OCR A Extended"/>
+                <a:ea typeface="OCR A Extended"/>
+                <a:cs typeface="OCR A Extended"/>
+              </a:rPr>
+              <a:t>Layout Of Project</a:t>
+            </a:r>
+            <a:endParaRPr sz="4800">
+              <a:solidFill>
+                <a:srgbClr val="33FF00"/>
+              </a:solidFill>
+              <a:highlight>
+                <a:srgbClr val="00008B"/>
+              </a:highlight>
+              <a:latin typeface="OCR A Extended"/>
+              <a:cs typeface="OCR A Extended"/>
+            </a:endParaRPr>
+          </a:p>
+        </p:txBody>
+      </p:sp>
+      <p:sp>
+        <p:nvSpPr>
+          <p:cNvPr id="576561135" name="Content Placeholder 2"/>
+          <p:cNvSpPr>
+            <a:spLocks noGrp="1"/>
+          </p:cNvSpPr>
+          <p:nvPr>
+            <p:ph idx="1"/>
+          </p:nvPr>
+        </p:nvSpPr>
+        <p:spPr bwMode="auto"/>
+        <p:txBody>
+          <a:bodyPr vertOverflow="overflow" horzOverflow="overflow" vert="horz" wrap="square" lIns="91440" tIns="45720" rIns="91440" bIns="45720" numCol="1" spcCol="0" rtlCol="0" fromWordArt="0" anchor="t" anchorCtr="0" forceAA="0" upright="0" compatLnSpc="0">
+            <a:normAutofit fontScale="80000" lnSpcReduction="4000"/>
+          </a:bodyPr>
+          <a:lstStyle/>
+          <a:p>
+            <a:pPr marL="0" indent="0">
+              <a:buFont typeface="Arial"/>
+              <a:buNone/>
+              <a:defRPr/>
+            </a:pPr>
+            <a:r>
+              <a:rPr lang="en-US" sz="2400" b="0" i="0" u="none" strike="noStrike" cap="none" spc="0">
+                <a:solidFill>
+                  <a:srgbClr val="33FF00"/>
+                </a:solidFill>
+                <a:highlight>
+                  <a:srgbClr val="00008B"/>
+                </a:highlight>
+                <a:latin typeface="OCR A Extended"/>
+                <a:ea typeface="OCR A Extended"/>
+                <a:cs typeface="OCR A Extended"/>
+              </a:rPr>
+              <a:t>┌─────────────────┐    ┌─────────────────┐    ┌─────────────────┐</a:t>
+            </a:r>
+            <a:endParaRPr sz="2400" b="0" i="0" u="none" strike="noStrike" cap="none" spc="0">
+              <a:solidFill>
+                <a:srgbClr val="33FF00"/>
+              </a:solidFill>
+              <a:highlight>
+                <a:srgbClr val="00008B"/>
+              </a:highlight>
+              <a:latin typeface="OCR A Extended"/>
+              <a:cs typeface="OCR A Extended"/>
+            </a:endParaRPr>
+          </a:p>
+          <a:p>
+            <a:pPr marL="0" indent="0">
+              <a:buFont typeface="Arial"/>
+              <a:buNone/>
+              <a:defRPr/>
+            </a:pPr>
+            <a:r>
+              <a:rPr lang="en-US" sz="2400" b="0" i="0" u="none" strike="noStrike" cap="none" spc="0">
+                <a:solidFill>
+                  <a:srgbClr val="33FF00"/>
+                </a:solidFill>
+                <a:highlight>
+                  <a:srgbClr val="00008B"/>
+                </a:highlight>
+                <a:latin typeface="OCR A Extended"/>
+                <a:ea typeface="OCR A Extended"/>
+                <a:cs typeface="OCR A Extended"/>
+              </a:rPr>
+              <a:t>│   FRONTEND      │    │    BACKEND      │    │    DATABASE     │</a:t>
+            </a:r>
+            <a:endParaRPr sz="2400" b="0" i="0" u="none" strike="noStrike" cap="none" spc="0">
+              <a:solidFill>
+                <a:srgbClr val="33FF00"/>
+              </a:solidFill>
+              <a:highlight>
+                <a:srgbClr val="00008B"/>
+              </a:highlight>
+              <a:latin typeface="OCR A Extended"/>
+              <a:cs typeface="OCR A Extended"/>
+            </a:endParaRPr>
+          </a:p>
+          <a:p>
+            <a:pPr marL="0" indent="0">
+              <a:buFont typeface="Arial"/>
+              <a:buNone/>
+              <a:defRPr/>
+            </a:pPr>
+            <a:r>
+              <a:rPr lang="en-US" sz="2400" b="0" i="0" u="none" strike="noStrike" cap="none" spc="0">
+                <a:solidFill>
+                  <a:srgbClr val="33FF00"/>
+                </a:solidFill>
+                <a:highlight>
+                  <a:srgbClr val="00008B"/>
+                </a:highlight>
+                <a:latin typeface="OCR A Extended"/>
+                <a:ea typeface="OCR A Extended"/>
+                <a:cs typeface="OCR A Extended"/>
+              </a:rPr>
+              <a:t>│   React.js      │◄──►│  Spring Boot    │◄──►│    PostgreSQL │</a:t>
+            </a:r>
+            <a:endParaRPr sz="2400" b="0" i="0" u="none" strike="noStrike" cap="none" spc="0">
+              <a:solidFill>
+                <a:srgbClr val="33FF00"/>
+              </a:solidFill>
+              <a:highlight>
+                <a:srgbClr val="00008B"/>
+              </a:highlight>
+              <a:latin typeface="OCR A Extended"/>
+              <a:cs typeface="OCR A Extended"/>
+            </a:endParaRPr>
+          </a:p>
+          <a:p>
+            <a:pPr marL="0" indent="0">
+              <a:buFont typeface="Arial"/>
+              <a:buNone/>
+              <a:defRPr/>
+            </a:pPr>
+            <a:r>
+              <a:rPr lang="en-US" sz="2400" b="0" i="0" u="none" strike="noStrike" cap="none" spc="0">
+                <a:solidFill>
+                  <a:srgbClr val="33FF00"/>
+                </a:solidFill>
+                <a:highlight>
+                  <a:srgbClr val="00008B"/>
+                </a:highlight>
+                <a:latin typeface="OCR A Extended"/>
+                <a:ea typeface="OCR A Extended"/>
+                <a:cs typeface="OCR A Extended"/>
+              </a:rPr>
+              <a:t>│                 │    │                 │    │                 │</a:t>
+            </a:r>
+            <a:endParaRPr sz="2400" b="0" i="0" u="none" strike="noStrike" cap="none" spc="0">
+              <a:solidFill>
+                <a:srgbClr val="33FF00"/>
+              </a:solidFill>
+              <a:highlight>
+                <a:srgbClr val="00008B"/>
+              </a:highlight>
+              <a:latin typeface="OCR A Extended"/>
+              <a:cs typeface="OCR A Extended"/>
+            </a:endParaRPr>
+          </a:p>
+          <a:p>
+            <a:pPr marL="0" indent="0">
+              <a:buFont typeface="Arial"/>
+              <a:buNone/>
+              <a:defRPr/>
+            </a:pPr>
+            <a:r>
+              <a:rPr lang="en-US" sz="2400" b="0" i="0" u="none" strike="noStrike" cap="none" spc="0">
+                <a:solidFill>
+                  <a:srgbClr val="33FF00"/>
+                </a:solidFill>
+                <a:highlight>
+                  <a:srgbClr val="00008B"/>
+                </a:highlight>
+                <a:latin typeface="OCR A Extended"/>
+                <a:ea typeface="OCR A Extended"/>
+                <a:cs typeface="OCR A Extended"/>
+              </a:rPr>
+              <a:t>│ • Dashboard     │    │ • REST APIs     │    │ • User Data     │</a:t>
+            </a:r>
+            <a:endParaRPr sz="2400" b="0" i="0" u="none" strike="noStrike" cap="none" spc="0">
+              <a:solidFill>
+                <a:srgbClr val="33FF00"/>
+              </a:solidFill>
+              <a:highlight>
+                <a:srgbClr val="00008B"/>
+              </a:highlight>
+              <a:latin typeface="OCR A Extended"/>
+              <a:cs typeface="OCR A Extended"/>
+            </a:endParaRPr>
+          </a:p>
+          <a:p>
+            <a:pPr marL="0" indent="0">
+              <a:buFont typeface="Arial"/>
+              <a:buNone/>
+              <a:defRPr/>
+            </a:pPr>
+            <a:r>
+              <a:rPr lang="en-US" sz="2400" b="0" i="0" u="none" strike="noStrike" cap="none" spc="0">
+                <a:solidFill>
+                  <a:srgbClr val="33FF00"/>
+                </a:solidFill>
+                <a:highlight>
+                  <a:srgbClr val="00008B"/>
+                </a:highlight>
+                <a:latin typeface="OCR A Extended"/>
+                <a:ea typeface="OCR A Extended"/>
+                <a:cs typeface="OCR A Extended"/>
+              </a:rPr>
+              <a:t>│ • Forms         │    │ • JWT Auth      │    │ • Encrypted     │</a:t>
+            </a:r>
+            <a:endParaRPr sz="2400" b="0" i="0" u="none" strike="noStrike" cap="none" spc="0">
+              <a:solidFill>
+                <a:srgbClr val="33FF00"/>
+              </a:solidFill>
+              <a:highlight>
+                <a:srgbClr val="00008B"/>
+              </a:highlight>
+              <a:latin typeface="OCR A Extended"/>
+              <a:cs typeface="OCR A Extended"/>
+            </a:endParaRPr>
+          </a:p>
+          <a:p>
+            <a:pPr marL="0" indent="0">
+              <a:buFont typeface="Arial"/>
+              <a:buNone/>
+              <a:defRPr/>
+            </a:pPr>
+            <a:r>
+              <a:rPr lang="en-US" sz="2400" b="0" i="0" u="none" strike="noStrike" cap="none" spc="0">
+                <a:solidFill>
+                  <a:srgbClr val="33FF00"/>
+                </a:solidFill>
+                <a:highlight>
+                  <a:srgbClr val="00008B"/>
+                </a:highlight>
+                <a:latin typeface="OCR A Extended"/>
+                <a:ea typeface="OCR A Extended"/>
+                <a:cs typeface="OCR A Extended"/>
+              </a:rPr>
+              <a:t>│ • File Upload   │    │ • AES Encryption│    │   Credentials   │</a:t>
+            </a:r>
+            <a:endParaRPr sz="2400" b="0" i="0" u="none" strike="noStrike" cap="none" spc="0">
+              <a:solidFill>
+                <a:srgbClr val="33FF00"/>
+              </a:solidFill>
+              <a:highlight>
+                <a:srgbClr val="00008B"/>
+              </a:highlight>
+              <a:latin typeface="OCR A Extended"/>
+              <a:cs typeface="OCR A Extended"/>
+            </a:endParaRPr>
+          </a:p>
+          <a:p>
+            <a:pPr marL="0" indent="0">
+              <a:buFont typeface="Arial"/>
+              <a:buNone/>
+              <a:defRPr/>
+            </a:pPr>
+            <a:r>
+              <a:rPr lang="en-US" sz="2400" b="0" i="0" u="none" strike="noStrike" cap="none" spc="0">
+                <a:solidFill>
+                  <a:srgbClr val="33FF00"/>
+                </a:solidFill>
+                <a:highlight>
+                  <a:srgbClr val="00008B"/>
+                </a:highlight>
+                <a:latin typeface="OCR A Extended"/>
+                <a:ea typeface="OCR A Extended"/>
+                <a:cs typeface="OCR A Extended"/>
+              </a:rPr>
+              <a:t>└─────────────────┘    └─────────────────┘    └─────────────────┘</a:t>
+            </a:r>
+            <a:endParaRPr sz="2400">
+              <a:solidFill>
+                <a:srgbClr val="33FF00"/>
+              </a:solidFill>
+              <a:highlight>
+                <a:srgbClr val="00008B"/>
+              </a:highlight>
+              <a:latin typeface="OCR A Extended"/>
+              <a:cs typeface="OCR A Extended"/>
+            </a:endParaRPr>
           </a:p>
         </p:txBody>
       </p:sp>

--- a/Presentation/Presentation1.pptx
+++ b/Presentation/Presentation1.pptx
@@ -140,7 +140,7 @@
       </p:grpSpPr>
       <p:sp>
         <p:nvSpPr>
-          <p:cNvPr id="450663245" name="Header Placeholder 1"/>
+          <p:cNvPr id="128125956" name="Header Placeholder 1"/>
           <p:cNvSpPr>
             <a:spLocks noGrp="1"/>
           </p:cNvSpPr>
@@ -174,7 +174,7 @@
       </p:sp>
       <p:sp>
         <p:nvSpPr>
-          <p:cNvPr id="604273858" name="Date Placeholder 2"/>
+          <p:cNvPr id="1629977724" name="Date Placeholder 2"/>
           <p:cNvSpPr>
             <a:spLocks noGrp="1"/>
           </p:cNvSpPr>
@@ -212,7 +212,7 @@
       </p:sp>
       <p:sp>
         <p:nvSpPr>
-          <p:cNvPr id="1754826644" name="Slide Image Placeholder 3"/>
+          <p:cNvPr id="1489673116" name="Slide Image Placeholder 3"/>
           <p:cNvSpPr>
             <a:spLocks noChangeAspect="1" noGrp="1" noRot="1"/>
           </p:cNvSpPr>
@@ -248,7 +248,7 @@
       </p:sp>
       <p:sp>
         <p:nvSpPr>
-          <p:cNvPr id="1447640260" name="Notes Placeholder 4"/>
+          <p:cNvPr id="619291090" name="Notes Placeholder 4"/>
           <p:cNvSpPr>
             <a:spLocks noGrp="1"/>
           </p:cNvSpPr>
@@ -322,7 +322,7 @@
       </p:sp>
       <p:sp>
         <p:nvSpPr>
-          <p:cNvPr id="1217246581" name="Footer Placeholder 5"/>
+          <p:cNvPr id="614548622" name="Footer Placeholder 5"/>
           <p:cNvSpPr>
             <a:spLocks noGrp="1"/>
           </p:cNvSpPr>
@@ -356,7 +356,7 @@
       </p:sp>
       <p:sp>
         <p:nvSpPr>
-          <p:cNvPr id="1896421487" name="Slide Number Placeholder 6"/>
+          <p:cNvPr id="1948564762" name="Slide Number Placeholder 6"/>
           <p:cNvSpPr>
             <a:spLocks noGrp="1"/>
           </p:cNvSpPr>
@@ -509,7 +509,7 @@
       </p:grpSpPr>
       <p:sp>
         <p:nvSpPr>
-          <p:cNvPr id="288280594" name="Slide Image Placeholder 1"/>
+          <p:cNvPr id="1750289627" name="Slide Image Placeholder 1"/>
           <p:cNvSpPr>
             <a:spLocks noChangeAspect="1" noGrp="1" noRot="1"/>
           </p:cNvSpPr>
@@ -526,7 +526,7 @@
       </p:sp>
       <p:sp>
         <p:nvSpPr>
-          <p:cNvPr id="1899826979" name="Notes Placeholder 2"/>
+          <p:cNvPr id="1177702404" name="Notes Placeholder 2"/>
           <p:cNvSpPr>
             <a:spLocks noGrp="1"/>
           </p:cNvSpPr>
@@ -551,7 +551,7 @@
       </p:sp>
       <p:sp>
         <p:nvSpPr>
-          <p:cNvPr id="1210180897" name="Slide Number Placeholder 3"/>
+          <p:cNvPr id="290056737" name="Slide Number Placeholder 3"/>
           <p:cNvSpPr>
             <a:spLocks noGrp="1"/>
           </p:cNvSpPr>
@@ -1112,7 +1112,7 @@
       </p:grpSpPr>
       <p:sp>
         <p:nvSpPr>
-          <p:cNvPr id="2018104529" name="Title 1"/>
+          <p:cNvPr id="1923722401" name="Title 1"/>
           <p:cNvSpPr>
             <a:spLocks noGrp="1"/>
           </p:cNvSpPr>
@@ -1147,7 +1147,7 @@
       </p:sp>
       <p:sp>
         <p:nvSpPr>
-          <p:cNvPr id="1771544101" name="Subtitle 2"/>
+          <p:cNvPr id="739997257" name="Subtitle 2"/>
           <p:cNvSpPr>
             <a:spLocks noGrp="1"/>
           </p:cNvSpPr>
@@ -1215,7 +1215,7 @@
       </p:sp>
       <p:sp>
         <p:nvSpPr>
-          <p:cNvPr id="774253179" name="Date Placeholder 3"/>
+          <p:cNvPr id="1747580000" name="Date Placeholder 3"/>
           <p:cNvSpPr>
             <a:spLocks noGrp="1"/>
           </p:cNvSpPr>
@@ -1241,7 +1241,7 @@
       </p:sp>
       <p:sp>
         <p:nvSpPr>
-          <p:cNvPr id="1172861236" name="Footer Placeholder 4"/>
+          <p:cNvPr id="309693033" name="Footer Placeholder 4"/>
           <p:cNvSpPr>
             <a:spLocks noGrp="1"/>
           </p:cNvSpPr>
@@ -1263,7 +1263,7 @@
       </p:sp>
       <p:sp>
         <p:nvSpPr>
-          <p:cNvPr id="142103804" name="Slide Number Placeholder 5"/>
+          <p:cNvPr id="567433852" name="Slide Number Placeholder 5"/>
           <p:cNvSpPr>
             <a:spLocks noGrp="1"/>
           </p:cNvSpPr>
@@ -1314,7 +1314,7 @@
       </p:grpSpPr>
       <p:sp>
         <p:nvSpPr>
-          <p:cNvPr id="463071110" name="Title 1"/>
+          <p:cNvPr id="446321787" name="Title 1"/>
           <p:cNvSpPr>
             <a:spLocks noGrp="1"/>
           </p:cNvSpPr>
@@ -1340,7 +1340,7 @@
       </p:sp>
       <p:sp>
         <p:nvSpPr>
-          <p:cNvPr id="1392756042" name="Vertical Text Placeholder 2"/>
+          <p:cNvPr id="585883688" name="Vertical Text Placeholder 2"/>
           <p:cNvSpPr>
             <a:spLocks noGrp="1"/>
           </p:cNvSpPr>
@@ -1406,7 +1406,7 @@
       </p:sp>
       <p:sp>
         <p:nvSpPr>
-          <p:cNvPr id="816405141" name="Date Placeholder 3"/>
+          <p:cNvPr id="169230928" name="Date Placeholder 3"/>
           <p:cNvSpPr>
             <a:spLocks noGrp="1"/>
           </p:cNvSpPr>
@@ -1432,7 +1432,7 @@
       </p:sp>
       <p:sp>
         <p:nvSpPr>
-          <p:cNvPr id="140023342" name="Footer Placeholder 4"/>
+          <p:cNvPr id="940912607" name="Footer Placeholder 4"/>
           <p:cNvSpPr>
             <a:spLocks noGrp="1"/>
           </p:cNvSpPr>
@@ -1454,7 +1454,7 @@
       </p:sp>
       <p:sp>
         <p:nvSpPr>
-          <p:cNvPr id="1841334901" name="Slide Number Placeholder 5"/>
+          <p:cNvPr id="1828606279" name="Slide Number Placeholder 5"/>
           <p:cNvSpPr>
             <a:spLocks noGrp="1"/>
           </p:cNvSpPr>
@@ -1505,7 +1505,7 @@
       </p:grpSpPr>
       <p:sp>
         <p:nvSpPr>
-          <p:cNvPr id="215317085" name="Vertical Title 1"/>
+          <p:cNvPr id="36508084" name="Vertical Title 1"/>
           <p:cNvSpPr>
             <a:spLocks noGrp="1"/>
           </p:cNvSpPr>
@@ -1536,7 +1536,7 @@
       </p:sp>
       <p:sp>
         <p:nvSpPr>
-          <p:cNvPr id="466972330" name="Vertical Text Placeholder 2"/>
+          <p:cNvPr id="1750673578" name="Vertical Text Placeholder 2"/>
           <p:cNvSpPr>
             <a:spLocks noGrp="1"/>
           </p:cNvSpPr>
@@ -1607,7 +1607,7 @@
       </p:sp>
       <p:sp>
         <p:nvSpPr>
-          <p:cNvPr id="1527539985" name="Date Placeholder 3"/>
+          <p:cNvPr id="181677262" name="Date Placeholder 3"/>
           <p:cNvSpPr>
             <a:spLocks noGrp="1"/>
           </p:cNvSpPr>
@@ -1633,7 +1633,7 @@
       </p:sp>
       <p:sp>
         <p:nvSpPr>
-          <p:cNvPr id="1004861944" name="Footer Placeholder 4"/>
+          <p:cNvPr id="1832508704" name="Footer Placeholder 4"/>
           <p:cNvSpPr>
             <a:spLocks noGrp="1"/>
           </p:cNvSpPr>
@@ -1655,7 +1655,7 @@
       </p:sp>
       <p:sp>
         <p:nvSpPr>
-          <p:cNvPr id="1614803239" name="Slide Number Placeholder 5"/>
+          <p:cNvPr id="780762104" name="Slide Number Placeholder 5"/>
           <p:cNvSpPr>
             <a:spLocks noGrp="1"/>
           </p:cNvSpPr>
@@ -1706,7 +1706,7 @@
       </p:grpSpPr>
       <p:sp>
         <p:nvSpPr>
-          <p:cNvPr id="1031546451" name="Title 1"/>
+          <p:cNvPr id="2110615972" name="Title 1"/>
           <p:cNvSpPr>
             <a:spLocks noGrp="1"/>
           </p:cNvSpPr>
@@ -1732,7 +1732,7 @@
       </p:sp>
       <p:sp>
         <p:nvSpPr>
-          <p:cNvPr id="1395564563" name="Content Placeholder 2"/>
+          <p:cNvPr id="249960196" name="Content Placeholder 2"/>
           <p:cNvSpPr>
             <a:spLocks noGrp="1"/>
           </p:cNvSpPr>
@@ -1798,7 +1798,7 @@
       </p:sp>
       <p:sp>
         <p:nvSpPr>
-          <p:cNvPr id="1190530474" name="Date Placeholder 3"/>
+          <p:cNvPr id="1712830894" name="Date Placeholder 3"/>
           <p:cNvSpPr>
             <a:spLocks noGrp="1"/>
           </p:cNvSpPr>
@@ -1824,7 +1824,7 @@
       </p:sp>
       <p:sp>
         <p:nvSpPr>
-          <p:cNvPr id="1419620057" name="Footer Placeholder 4"/>
+          <p:cNvPr id="1739270036" name="Footer Placeholder 4"/>
           <p:cNvSpPr>
             <a:spLocks noGrp="1"/>
           </p:cNvSpPr>
@@ -1846,7 +1846,7 @@
       </p:sp>
       <p:sp>
         <p:nvSpPr>
-          <p:cNvPr id="1263691841" name="Slide Number Placeholder 5"/>
+          <p:cNvPr id="1432652149" name="Slide Number Placeholder 5"/>
           <p:cNvSpPr>
             <a:spLocks noGrp="1"/>
           </p:cNvSpPr>
@@ -1897,7 +1897,7 @@
       </p:grpSpPr>
       <p:sp>
         <p:nvSpPr>
-          <p:cNvPr id="1259463156" name="Title 1"/>
+          <p:cNvPr id="1980260797" name="Title 1"/>
           <p:cNvSpPr>
             <a:spLocks noGrp="1"/>
           </p:cNvSpPr>
@@ -1932,7 +1932,7 @@
       </p:sp>
       <p:sp>
         <p:nvSpPr>
-          <p:cNvPr id="33284290" name="Text Placeholder 2"/>
+          <p:cNvPr id="402993727" name="Text Placeholder 2"/>
           <p:cNvSpPr>
             <a:spLocks noGrp="1"/>
           </p:cNvSpPr>
@@ -2054,7 +2054,7 @@
       </p:sp>
       <p:sp>
         <p:nvSpPr>
-          <p:cNvPr id="1967669451" name="Date Placeholder 3"/>
+          <p:cNvPr id="462952168" name="Date Placeholder 3"/>
           <p:cNvSpPr>
             <a:spLocks noGrp="1"/>
           </p:cNvSpPr>
@@ -2080,7 +2080,7 @@
       </p:sp>
       <p:sp>
         <p:nvSpPr>
-          <p:cNvPr id="1091732076" name="Footer Placeholder 4"/>
+          <p:cNvPr id="1907707587" name="Footer Placeholder 4"/>
           <p:cNvSpPr>
             <a:spLocks noGrp="1"/>
           </p:cNvSpPr>
@@ -2102,7 +2102,7 @@
       </p:sp>
       <p:sp>
         <p:nvSpPr>
-          <p:cNvPr id="2109323010" name="Slide Number Placeholder 5"/>
+          <p:cNvPr id="1589505102" name="Slide Number Placeholder 5"/>
           <p:cNvSpPr>
             <a:spLocks noGrp="1"/>
           </p:cNvSpPr>
@@ -2153,7 +2153,7 @@
       </p:grpSpPr>
       <p:sp>
         <p:nvSpPr>
-          <p:cNvPr id="653663622" name="Title 1"/>
+          <p:cNvPr id="2104967446" name="Title 1"/>
           <p:cNvSpPr>
             <a:spLocks noGrp="1"/>
           </p:cNvSpPr>
@@ -2179,7 +2179,7 @@
       </p:sp>
       <p:sp>
         <p:nvSpPr>
-          <p:cNvPr id="1709099788" name="Content Placeholder 2"/>
+          <p:cNvPr id="617830169" name="Content Placeholder 2"/>
           <p:cNvSpPr>
             <a:spLocks noGrp="1"/>
           </p:cNvSpPr>
@@ -2250,7 +2250,7 @@
       </p:sp>
       <p:sp>
         <p:nvSpPr>
-          <p:cNvPr id="1096328278" name="Content Placeholder 3"/>
+          <p:cNvPr id="606946378" name="Content Placeholder 3"/>
           <p:cNvSpPr>
             <a:spLocks noGrp="1"/>
           </p:cNvSpPr>
@@ -2321,7 +2321,7 @@
       </p:sp>
       <p:sp>
         <p:nvSpPr>
-          <p:cNvPr id="1891041832" name="Date Placeholder 4"/>
+          <p:cNvPr id="1440305759" name="Date Placeholder 4"/>
           <p:cNvSpPr>
             <a:spLocks noGrp="1"/>
           </p:cNvSpPr>
@@ -2347,7 +2347,7 @@
       </p:sp>
       <p:sp>
         <p:nvSpPr>
-          <p:cNvPr id="742583497" name="Footer Placeholder 5"/>
+          <p:cNvPr id="1189556499" name="Footer Placeholder 5"/>
           <p:cNvSpPr>
             <a:spLocks noGrp="1"/>
           </p:cNvSpPr>
@@ -2369,7 +2369,7 @@
       </p:sp>
       <p:sp>
         <p:nvSpPr>
-          <p:cNvPr id="1126794229" name="Slide Number Placeholder 6"/>
+          <p:cNvPr id="1835519987" name="Slide Number Placeholder 6"/>
           <p:cNvSpPr>
             <a:spLocks noGrp="1"/>
           </p:cNvSpPr>
@@ -2420,7 +2420,7 @@
       </p:grpSpPr>
       <p:sp>
         <p:nvSpPr>
-          <p:cNvPr id="220483711" name="Title 1"/>
+          <p:cNvPr id="804394834" name="Title 1"/>
           <p:cNvSpPr>
             <a:spLocks noGrp="1"/>
           </p:cNvSpPr>
@@ -2451,7 +2451,7 @@
       </p:sp>
       <p:sp>
         <p:nvSpPr>
-          <p:cNvPr id="2107430633" name="Text Placeholder 2"/>
+          <p:cNvPr id="1039044756" name="Text Placeholder 2"/>
           <p:cNvSpPr>
             <a:spLocks noGrp="1"/>
           </p:cNvSpPr>
@@ -2519,7 +2519,7 @@
       </p:sp>
       <p:sp>
         <p:nvSpPr>
-          <p:cNvPr id="1701359896" name="Content Placeholder 3"/>
+          <p:cNvPr id="807569597" name="Content Placeholder 3"/>
           <p:cNvSpPr>
             <a:spLocks noGrp="1"/>
           </p:cNvSpPr>
@@ -2590,7 +2590,7 @@
       </p:sp>
       <p:sp>
         <p:nvSpPr>
-          <p:cNvPr id="849449079" name="Text Placeholder 4"/>
+          <p:cNvPr id="1360749203" name="Text Placeholder 4"/>
           <p:cNvSpPr>
             <a:spLocks noGrp="1"/>
           </p:cNvSpPr>
@@ -2658,7 +2658,7 @@
       </p:sp>
       <p:sp>
         <p:nvSpPr>
-          <p:cNvPr id="152730853" name="Content Placeholder 5"/>
+          <p:cNvPr id="880736854" name="Content Placeholder 5"/>
           <p:cNvSpPr>
             <a:spLocks noGrp="1"/>
           </p:cNvSpPr>
@@ -2729,7 +2729,7 @@
       </p:sp>
       <p:sp>
         <p:nvSpPr>
-          <p:cNvPr id="989747272" name="Date Placeholder 6"/>
+          <p:cNvPr id="95191691" name="Date Placeholder 6"/>
           <p:cNvSpPr>
             <a:spLocks noGrp="1"/>
           </p:cNvSpPr>
@@ -2755,7 +2755,7 @@
       </p:sp>
       <p:sp>
         <p:nvSpPr>
-          <p:cNvPr id="1275181261" name="Footer Placeholder 7"/>
+          <p:cNvPr id="1528552765" name="Footer Placeholder 7"/>
           <p:cNvSpPr>
             <a:spLocks noGrp="1"/>
           </p:cNvSpPr>
@@ -2777,7 +2777,7 @@
       </p:sp>
       <p:sp>
         <p:nvSpPr>
-          <p:cNvPr id="1501318386" name="Slide Number Placeholder 8"/>
+          <p:cNvPr id="1621898695" name="Slide Number Placeholder 8"/>
           <p:cNvSpPr>
             <a:spLocks noGrp="1"/>
           </p:cNvSpPr>
@@ -2828,7 +2828,7 @@
       </p:grpSpPr>
       <p:sp>
         <p:nvSpPr>
-          <p:cNvPr id="1300576890" name="Title 1"/>
+          <p:cNvPr id="2048628960" name="Title 1"/>
           <p:cNvSpPr>
             <a:spLocks noGrp="1"/>
           </p:cNvSpPr>
@@ -2854,7 +2854,7 @@
       </p:sp>
       <p:sp>
         <p:nvSpPr>
-          <p:cNvPr id="1197786164" name="Date Placeholder 2"/>
+          <p:cNvPr id="1662884412" name="Date Placeholder 2"/>
           <p:cNvSpPr>
             <a:spLocks noGrp="1"/>
           </p:cNvSpPr>
@@ -2880,7 +2880,7 @@
       </p:sp>
       <p:sp>
         <p:nvSpPr>
-          <p:cNvPr id="1767557205" name="Footer Placeholder 3"/>
+          <p:cNvPr id="1853510084" name="Footer Placeholder 3"/>
           <p:cNvSpPr>
             <a:spLocks noGrp="1"/>
           </p:cNvSpPr>
@@ -2902,7 +2902,7 @@
       </p:sp>
       <p:sp>
         <p:nvSpPr>
-          <p:cNvPr id="788806801" name="Slide Number Placeholder 4"/>
+          <p:cNvPr id="1903464895" name="Slide Number Placeholder 4"/>
           <p:cNvSpPr>
             <a:spLocks noGrp="1"/>
           </p:cNvSpPr>
@@ -2953,7 +2953,7 @@
       </p:grpSpPr>
       <p:sp>
         <p:nvSpPr>
-          <p:cNvPr id="1599721845" name="Date Placeholder 1"/>
+          <p:cNvPr id="883607729" name="Date Placeholder 1"/>
           <p:cNvSpPr>
             <a:spLocks noGrp="1"/>
           </p:cNvSpPr>
@@ -2979,7 +2979,7 @@
       </p:sp>
       <p:sp>
         <p:nvSpPr>
-          <p:cNvPr id="2099234350" name="Footer Placeholder 2"/>
+          <p:cNvPr id="36337524" name="Footer Placeholder 2"/>
           <p:cNvSpPr>
             <a:spLocks noGrp="1"/>
           </p:cNvSpPr>
@@ -3001,7 +3001,7 @@
       </p:sp>
       <p:sp>
         <p:nvSpPr>
-          <p:cNvPr id="19719935" name="Slide Number Placeholder 3"/>
+          <p:cNvPr id="167563035" name="Slide Number Placeholder 3"/>
           <p:cNvSpPr>
             <a:spLocks noGrp="1"/>
           </p:cNvSpPr>
@@ -3052,7 +3052,7 @@
       </p:grpSpPr>
       <p:sp>
         <p:nvSpPr>
-          <p:cNvPr id="1211101795" name="Title 1"/>
+          <p:cNvPr id="1493138268" name="Title 1"/>
           <p:cNvSpPr>
             <a:spLocks noGrp="1"/>
           </p:cNvSpPr>
@@ -3087,7 +3087,7 @@
       </p:sp>
       <p:sp>
         <p:nvSpPr>
-          <p:cNvPr id="1346060068" name="Content Placeholder 2"/>
+          <p:cNvPr id="1561852097" name="Content Placeholder 2"/>
           <p:cNvSpPr>
             <a:spLocks noGrp="1"/>
           </p:cNvSpPr>
@@ -3186,7 +3186,7 @@
       </p:sp>
       <p:sp>
         <p:nvSpPr>
-          <p:cNvPr id="907995129" name="Text Placeholder 3"/>
+          <p:cNvPr id="871497820" name="Text Placeholder 3"/>
           <p:cNvSpPr>
             <a:spLocks noGrp="1"/>
           </p:cNvSpPr>
@@ -3254,7 +3254,7 @@
       </p:sp>
       <p:sp>
         <p:nvSpPr>
-          <p:cNvPr id="466591868" name="Date Placeholder 4"/>
+          <p:cNvPr id="1908154711" name="Date Placeholder 4"/>
           <p:cNvSpPr>
             <a:spLocks noGrp="1"/>
           </p:cNvSpPr>
@@ -3280,7 +3280,7 @@
       </p:sp>
       <p:sp>
         <p:nvSpPr>
-          <p:cNvPr id="363797687" name="Footer Placeholder 5"/>
+          <p:cNvPr id="1668304858" name="Footer Placeholder 5"/>
           <p:cNvSpPr>
             <a:spLocks noGrp="1"/>
           </p:cNvSpPr>
@@ -3302,7 +3302,7 @@
       </p:sp>
       <p:sp>
         <p:nvSpPr>
-          <p:cNvPr id="10959940" name="Slide Number Placeholder 6"/>
+          <p:cNvPr id="1393274992" name="Slide Number Placeholder 6"/>
           <p:cNvSpPr>
             <a:spLocks noGrp="1"/>
           </p:cNvSpPr>
@@ -3353,7 +3353,7 @@
       </p:grpSpPr>
       <p:sp>
         <p:nvSpPr>
-          <p:cNvPr id="914144047" name="Title 1"/>
+          <p:cNvPr id="1465704744" name="Title 1"/>
           <p:cNvSpPr>
             <a:spLocks noGrp="1"/>
           </p:cNvSpPr>
@@ -3388,7 +3388,7 @@
       </p:sp>
       <p:sp>
         <p:nvSpPr>
-          <p:cNvPr id="1959973427" name="Picture Placeholder 2"/>
+          <p:cNvPr id="345951334" name="Picture Placeholder 2"/>
           <p:cNvSpPr>
             <a:spLocks noChangeAspect="1" noGrp="1"/>
           </p:cNvSpPr>
@@ -3456,7 +3456,7 @@
       </p:sp>
       <p:sp>
         <p:nvSpPr>
-          <p:cNvPr id="88800615" name="Text Placeholder 3"/>
+          <p:cNvPr id="1878414321" name="Text Placeholder 3"/>
           <p:cNvSpPr>
             <a:spLocks noGrp="1"/>
           </p:cNvSpPr>
@@ -3524,7 +3524,7 @@
       </p:sp>
       <p:sp>
         <p:nvSpPr>
-          <p:cNvPr id="1973051502" name="Date Placeholder 4"/>
+          <p:cNvPr id="1174767366" name="Date Placeholder 4"/>
           <p:cNvSpPr>
             <a:spLocks noGrp="1"/>
           </p:cNvSpPr>
@@ -3550,7 +3550,7 @@
       </p:sp>
       <p:sp>
         <p:nvSpPr>
-          <p:cNvPr id="936760764" name="Footer Placeholder 5"/>
+          <p:cNvPr id="1609577920" name="Footer Placeholder 5"/>
           <p:cNvSpPr>
             <a:spLocks noGrp="1"/>
           </p:cNvSpPr>
@@ -3572,7 +3572,7 @@
       </p:sp>
       <p:sp>
         <p:nvSpPr>
-          <p:cNvPr id="1713361104" name="Slide Number Placeholder 6"/>
+          <p:cNvPr id="1132462333" name="Slide Number Placeholder 6"/>
           <p:cNvSpPr>
             <a:spLocks noGrp="1"/>
           </p:cNvSpPr>
@@ -3659,7 +3659,7 @@
       </p:grpSpPr>
       <p:sp>
         <p:nvSpPr>
-          <p:cNvPr id="1195825540" name="Title Placeholder 1"/>
+          <p:cNvPr id="77494094" name="Title Placeholder 1"/>
           <p:cNvSpPr>
             <a:spLocks noGrp="1"/>
           </p:cNvSpPr>
@@ -3695,7 +3695,7 @@
       </p:sp>
       <p:sp>
         <p:nvSpPr>
-          <p:cNvPr id="1826123718" name="Text Placeholder 2"/>
+          <p:cNvPr id="1612183216" name="Text Placeholder 2"/>
           <p:cNvSpPr>
             <a:spLocks noGrp="1"/>
           </p:cNvSpPr>
@@ -3771,7 +3771,7 @@
       </p:sp>
       <p:sp>
         <p:nvSpPr>
-          <p:cNvPr id="865946999" name="Date Placeholder 3"/>
+          <p:cNvPr id="2060193377" name="Date Placeholder 3"/>
           <p:cNvSpPr>
             <a:spLocks noGrp="1"/>
           </p:cNvSpPr>
@@ -3815,7 +3815,7 @@
       </p:sp>
       <p:sp>
         <p:nvSpPr>
-          <p:cNvPr id="631389328" name="Footer Placeholder 4"/>
+          <p:cNvPr id="632383226" name="Footer Placeholder 4"/>
           <p:cNvSpPr>
             <a:spLocks noGrp="1"/>
           </p:cNvSpPr>
@@ -3855,7 +3855,7 @@
       </p:sp>
       <p:sp>
         <p:nvSpPr>
-          <p:cNvPr id="1726104852" name="Slide Number Placeholder 5"/>
+          <p:cNvPr id="1367010840" name="Slide Number Placeholder 5"/>
           <p:cNvSpPr>
             <a:spLocks noGrp="1"/>
           </p:cNvSpPr>
@@ -4625,10 +4625,14 @@
   </p:clrMapOvr>
   <mc:AlternateContent xmlns:mc="http://schemas.openxmlformats.org/markup-compatibility/2006">
     <mc:Choice xmlns:p159="http://schemas.microsoft.com/office/powerpoint/2015/09/main" xmlns:p14="http://schemas.microsoft.com/office/powerpoint/2010/main" Requires="p159">
-      <p:transition p14:dur="2000" advClick="1"/>
+      <p:transition spd="med" p14:dur="500" advClick="1">
+        <p159:morph option="byObject"/>
+      </p:transition>
     </mc:Choice>
     <mc:Fallback>
-      <p:transition advClick="1"/>
+      <p:transition spd="med" advClick="1">
+        <p:fade/>
+      </p:transition>
     </mc:Fallback>
   </mc:AlternateContent>
 </p:sld>
@@ -4991,10 +4995,14 @@
   </p:clrMapOvr>
   <mc:AlternateContent xmlns:mc="http://schemas.openxmlformats.org/markup-compatibility/2006">
     <mc:Choice xmlns:p159="http://schemas.microsoft.com/office/powerpoint/2015/09/main" xmlns:p14="http://schemas.microsoft.com/office/powerpoint/2010/main" Requires="p159">
-      <p:transition p14:dur="2000" advClick="1"/>
+      <p:transition spd="med" p14:dur="500" advClick="1">
+        <p159:morph option="byObject"/>
+      </p:transition>
     </mc:Choice>
     <mc:Fallback>
-      <p:transition advClick="1"/>
+      <p:transition spd="med" advClick="1">
+        <p:fade/>
+      </p:transition>
     </mc:Fallback>
   </mc:AlternateContent>
 </p:sld>
@@ -5341,10 +5349,14 @@
   </p:clrMapOvr>
   <mc:AlternateContent xmlns:mc="http://schemas.openxmlformats.org/markup-compatibility/2006">
     <mc:Choice xmlns:p159="http://schemas.microsoft.com/office/powerpoint/2015/09/main" xmlns:p14="http://schemas.microsoft.com/office/powerpoint/2010/main" Requires="p159">
-      <p:transition p14:dur="2000" advClick="1"/>
+      <p:transition spd="med" p14:dur="500" advClick="1">
+        <p159:morph option="byObject"/>
+      </p:transition>
     </mc:Choice>
     <mc:Fallback>
-      <p:transition advClick="1"/>
+      <p:transition spd="med" advClick="1">
+        <p:fade/>
+      </p:transition>
     </mc:Fallback>
   </mc:AlternateContent>
 </p:sld>
@@ -5685,10 +5697,14 @@
   </p:clrMapOvr>
   <mc:AlternateContent xmlns:mc="http://schemas.openxmlformats.org/markup-compatibility/2006">
     <mc:Choice xmlns:p159="http://schemas.microsoft.com/office/powerpoint/2015/09/main" xmlns:p14="http://schemas.microsoft.com/office/powerpoint/2010/main" Requires="p159">
-      <p:transition p14:dur="2000" advClick="1"/>
+      <p:transition spd="med" p14:dur="500" advClick="1">
+        <p159:morph option="byObject"/>
+      </p:transition>
     </mc:Choice>
     <mc:Fallback>
-      <p:transition advClick="1"/>
+      <p:transition spd="med" advClick="1">
+        <p:fade/>
+      </p:transition>
     </mc:Fallback>
   </mc:AlternateContent>
 </p:sld>
@@ -5726,64 +5742,316 @@
           <a:bodyPr/>
           <a:lstStyle/>
           <a:p>
-            <a:pPr>
-              <a:defRPr/>
-            </a:pPr>
-            <a:endParaRPr/>
-          </a:p>
-        </p:txBody>
-      </p:sp>
-      <p:sp>
-        <p:nvSpPr>
-          <p:cNvPr id="2077654670" name="Content Placeholder 2"/>
-          <p:cNvSpPr>
-            <a:spLocks noGrp="1"/>
-          </p:cNvSpPr>
-          <p:nvPr>
-            <p:ph sz="half" idx="1"/>
+            <a:pPr algn="ctr">
+              <a:defRPr/>
+            </a:pPr>
+            <a:r>
+              <a:rPr sz="4800">
+                <a:solidFill>
+                  <a:srgbClr val="33FF00"/>
+                </a:solidFill>
+                <a:highlight>
+                  <a:srgbClr val="00008B"/>
+                </a:highlight>
+                <a:latin typeface="OCR A Extended"/>
+                <a:ea typeface="OCR A Extended"/>
+                <a:cs typeface="OCR A Extended"/>
+              </a:rPr>
+              <a:t>Features</a:t>
+            </a:r>
+            <a:endParaRPr sz="4800">
+              <a:solidFill>
+                <a:srgbClr val="33FF00"/>
+              </a:solidFill>
+              <a:highlight>
+                <a:srgbClr val="00008B"/>
+              </a:highlight>
+              <a:latin typeface="OCR A Extended"/>
+              <a:cs typeface="OCR A Extended"/>
+            </a:endParaRPr>
+          </a:p>
+        </p:txBody>
+      </p:sp>
+      <p:sp>
+        <p:nvSpPr>
+          <p:cNvPr id="874674697" name="Content Placeholder 2"/>
+          <p:cNvSpPr>
+            <a:spLocks noGrp="1"/>
+          </p:cNvSpPr>
+          <p:nvPr>
+            <p:ph idx="1"/>
           </p:nvPr>
         </p:nvSpPr>
         <p:spPr bwMode="auto">
-          <a:xfrm>
-            <a:off x="838199" y="1825624"/>
-            <a:ext cx="5181599" cy="4351338"/>
+          <a:xfrm flipH="0" flipV="0">
+            <a:off x="838199" y="1690687"/>
+            <a:ext cx="10515600" cy="4486275"/>
           </a:xfrm>
         </p:spPr>
         <p:txBody>
-          <a:bodyPr/>
-          <a:lstStyle/>
-          <a:p>
-            <a:pPr>
-              <a:defRPr/>
-            </a:pPr>
-            <a:endParaRPr/>
-          </a:p>
-        </p:txBody>
-      </p:sp>
-      <p:sp>
-        <p:nvSpPr>
-          <p:cNvPr id="364586781" name="Content Placeholder 3"/>
-          <p:cNvSpPr>
-            <a:spLocks noGrp="1"/>
-          </p:cNvSpPr>
-          <p:nvPr>
-            <p:ph sz="half" idx="2"/>
-          </p:nvPr>
-        </p:nvSpPr>
-        <p:spPr bwMode="auto">
-          <a:xfrm>
-            <a:off x="6172200" y="1825624"/>
-            <a:ext cx="5181599" cy="4351338"/>
-          </a:xfrm>
-        </p:spPr>
-        <p:txBody>
-          <a:bodyPr/>
-          <a:lstStyle/>
-          <a:p>
-            <a:pPr>
-              <a:defRPr/>
-            </a:pPr>
-            <a:endParaRPr/>
+          <a:bodyPr vertOverflow="overflow" horzOverflow="overflow" vert="horz" wrap="square" lIns="91440" tIns="45720" rIns="91440" bIns="45720" numCol="1" spcCol="0" rtlCol="0" fromWordArt="0" anchor="t" anchorCtr="0" forceAA="0" upright="0" compatLnSpc="0">
+            <a:normAutofit fontScale="80000" lnSpcReduction="4000"/>
+          </a:bodyPr>
+          <a:lstStyle/>
+          <a:p>
+            <a:pPr marL="0" indent="0">
+              <a:buFont typeface="Arial"/>
+              <a:buNone/>
+              <a:defRPr/>
+            </a:pPr>
+            <a:r>
+              <a:rPr lang="en-US" sz="2800" b="0" i="0" u="none" strike="noStrike" cap="none" spc="0">
+                <a:solidFill>
+                  <a:srgbClr val="FFFF00"/>
+                </a:solidFill>
+                <a:latin typeface="OCR A Extended"/>
+                <a:ea typeface="OCR A Extended"/>
+                <a:cs typeface="OCR A Extended"/>
+              </a:rPr>
+              <a:t>$ cat /devvault</a:t>
+            </a:r>
+            <a:r>
+              <a:rPr lang="en-US" sz="2800" b="0" i="0" u="none" strike="noStrike" cap="none" spc="0">
+                <a:solidFill>
+                  <a:srgbClr val="33FF00"/>
+                </a:solidFill>
+                <a:latin typeface="OCR A Extended"/>
+                <a:ea typeface="OCR A Extended"/>
+                <a:cs typeface="OCR A Extended"/>
+              </a:rPr>
+              <a:t>/features.txt</a:t>
+            </a:r>
+            <a:endParaRPr sz="2800" b="0" i="0" u="none" strike="noStrike" cap="none" spc="0">
+              <a:solidFill>
+                <a:srgbClr val="33FF00"/>
+              </a:solidFill>
+              <a:latin typeface="OCR A Extended"/>
+              <a:cs typeface="OCR A Extended"/>
+            </a:endParaRPr>
+          </a:p>
+          <a:p>
+            <a:pPr>
+              <a:defRPr/>
+            </a:pPr>
+            <a:endParaRPr sz="2800" b="0" i="0" u="none" strike="noStrike" cap="none" spc="0">
+              <a:solidFill>
+                <a:srgbClr val="33FF00"/>
+              </a:solidFill>
+              <a:latin typeface="OCR A Extended"/>
+              <a:cs typeface="OCR A Extended"/>
+            </a:endParaRPr>
+          </a:p>
+          <a:p>
+            <a:pPr marL="0" indent="0">
+              <a:buFont typeface="Arial"/>
+              <a:buNone/>
+              <a:defRPr/>
+            </a:pPr>
+            <a:r>
+              <a:rPr lang="en-US" sz="2800" b="0" i="0" u="none" strike="noStrike" cap="none" spc="0">
+                <a:solidFill>
+                  <a:srgbClr val="33FF00"/>
+                </a:solidFill>
+                <a:latin typeface="OCR A Extended"/>
+                <a:ea typeface="OCR A Extended"/>
+                <a:cs typeface="OCR A Extended"/>
+              </a:rPr>
+              <a:t>├── 🔐 AUTH: JWT + AES-256 encryption</a:t>
+            </a:r>
+            <a:endParaRPr sz="2800" b="0" i="0" u="none" strike="noStrike" cap="none" spc="0">
+              <a:solidFill>
+                <a:srgbClr val="33FF00"/>
+              </a:solidFill>
+              <a:latin typeface="OCR A Extended"/>
+              <a:cs typeface="OCR A Extended"/>
+            </a:endParaRPr>
+          </a:p>
+          <a:p>
+            <a:pPr marL="0" indent="0">
+              <a:buFont typeface="Arial"/>
+              <a:buNone/>
+              <a:defRPr/>
+            </a:pPr>
+            <a:r>
+              <a:rPr lang="en-US" sz="2800" b="0" i="0" u="none" strike="noStrike" cap="none" spc="0">
+                <a:solidFill>
+                  <a:srgbClr val="33FF00"/>
+                </a:solidFill>
+                <a:latin typeface="OCR A Extended"/>
+                <a:ea typeface="OCR A Extended"/>
+                <a:cs typeface="OCR A Extended"/>
+              </a:rPr>
+              <a:t>├── 🗝️ CREDENTIALS: Encrypted storage + search  </a:t>
+            </a:r>
+            <a:endParaRPr sz="2800" b="0" i="0" u="none" strike="noStrike" cap="none" spc="0">
+              <a:solidFill>
+                <a:srgbClr val="33FF00"/>
+              </a:solidFill>
+              <a:latin typeface="OCR A Extended"/>
+              <a:cs typeface="OCR A Extended"/>
+            </a:endParaRPr>
+          </a:p>
+          <a:p>
+            <a:pPr marL="0" indent="0">
+              <a:buFont typeface="Arial"/>
+              <a:buNone/>
+              <a:defRPr/>
+            </a:pPr>
+            <a:r>
+              <a:rPr lang="en-US" sz="2800" b="0" i="0" u="none" strike="noStrike" cap="none" spc="0">
+                <a:solidFill>
+                  <a:srgbClr val="33FF00"/>
+                </a:solidFill>
+                <a:latin typeface="OCR A Extended"/>
+                <a:ea typeface="OCR A Extended"/>
+                <a:cs typeface="OCR A Extended"/>
+              </a:rPr>
+              <a:t>├── 📁 PROJECTS: GitHub integration + portfolio</a:t>
+            </a:r>
+            <a:endParaRPr sz="2800" b="0" i="0" u="none" strike="noStrike" cap="none" spc="0">
+              <a:solidFill>
+                <a:srgbClr val="33FF00"/>
+              </a:solidFill>
+              <a:latin typeface="OCR A Extended"/>
+              <a:cs typeface="OCR A Extended"/>
+            </a:endParaRPr>
+          </a:p>
+          <a:p>
+            <a:pPr marL="0" indent="0">
+              <a:buFont typeface="Arial"/>
+              <a:buNone/>
+              <a:defRPr/>
+            </a:pPr>
+            <a:r>
+              <a:rPr lang="en-US" sz="2800" b="0" i="0" u="none" strike="noStrike" cap="none" spc="0">
+                <a:solidFill>
+                  <a:srgbClr val="33FF00"/>
+                </a:solidFill>
+                <a:latin typeface="OCR A Extended"/>
+                <a:ea typeface="OCR A Extended"/>
+                <a:cs typeface="OCR A Extended"/>
+              </a:rPr>
+              <a:t>├── 📝 NOTES: Markdown editor + export</a:t>
+            </a:r>
+            <a:endParaRPr sz="2800" b="0" i="0" u="none" strike="noStrike" cap="none" spc="0">
+              <a:solidFill>
+                <a:srgbClr val="33FF00"/>
+              </a:solidFill>
+              <a:latin typeface="OCR A Extended"/>
+              <a:cs typeface="OCR A Extended"/>
+            </a:endParaRPr>
+          </a:p>
+          <a:p>
+            <a:pPr marL="0" indent="0">
+              <a:buFont typeface="Arial"/>
+              <a:buNone/>
+              <a:defRPr/>
+            </a:pPr>
+            <a:r>
+              <a:rPr lang="en-US" sz="2800" b="0" i="0" u="none" strike="noStrike" cap="none" spc="0">
+                <a:solidFill>
+                  <a:srgbClr val="33FF00"/>
+                </a:solidFill>
+                <a:latin typeface="OCR A Extended"/>
+                <a:ea typeface="OCR A Extended"/>
+                <a:cs typeface="OCR A Extended"/>
+              </a:rPr>
+              <a:t>├── 🏆 CERTIFICATES: Secure upload + organization</a:t>
+            </a:r>
+            <a:endParaRPr sz="2800" b="0" i="0" u="none" strike="noStrike" cap="none" spc="0">
+              <a:solidFill>
+                <a:srgbClr val="33FF00"/>
+              </a:solidFill>
+              <a:latin typeface="OCR A Extended"/>
+              <a:cs typeface="OCR A Extended"/>
+            </a:endParaRPr>
+          </a:p>
+          <a:p>
+            <a:pPr marL="0" indent="0">
+              <a:buFont typeface="Arial"/>
+              <a:buNone/>
+              <a:defRPr/>
+            </a:pPr>
+            <a:r>
+              <a:rPr lang="en-US" sz="2800" b="0" i="0" u="none" strike="noStrike" cap="none" spc="0">
+                <a:solidFill>
+                  <a:srgbClr val="33FF00"/>
+                </a:solidFill>
+                <a:latin typeface="OCR A Extended"/>
+                <a:ea typeface="OCR A Extended"/>
+                <a:cs typeface="OCR A Extended"/>
+              </a:rPr>
+              <a:t>└── 📊 DASHBOARD: Analytics + quick access</a:t>
+            </a:r>
+            <a:endParaRPr sz="2800" b="0" i="0" u="none" strike="noStrike" cap="none" spc="0">
+              <a:solidFill>
+                <a:srgbClr val="33FF00"/>
+              </a:solidFill>
+              <a:latin typeface="OCR A Extended"/>
+              <a:cs typeface="OCR A Extended"/>
+            </a:endParaRPr>
+          </a:p>
+          <a:p>
+            <a:pPr>
+              <a:defRPr/>
+            </a:pPr>
+            <a:endParaRPr sz="2800" b="0" i="0" u="none" strike="noStrike" cap="none" spc="0">
+              <a:solidFill>
+                <a:srgbClr val="33FF00"/>
+              </a:solidFill>
+              <a:latin typeface="OCR A Extended"/>
+              <a:cs typeface="OCR A Extended"/>
+            </a:endParaRPr>
+          </a:p>
+          <a:p>
+            <a:pPr marL="0" indent="0">
+              <a:buFont typeface="Arial"/>
+              <a:buNone/>
+              <a:defRPr/>
+            </a:pPr>
+            <a:r>
+              <a:rPr lang="en-US" sz="2800" b="0" i="0" u="none" strike="noStrike" cap="none" spc="0">
+                <a:solidFill>
+                  <a:srgbClr val="33FF00"/>
+                </a:solidFill>
+                <a:highlight>
+                  <a:srgbClr val="00008B"/>
+                </a:highlight>
+                <a:latin typeface="OCR A Extended"/>
+                <a:ea typeface="OCR A Extended"/>
+                <a:cs typeface="OCR A Extended"/>
+              </a:rPr>
+              <a:t>[6/6] </a:t>
+            </a:r>
+            <a:r>
+              <a:rPr lang="en-US" sz="2800" b="0" i="0" u="none" strike="noStrike" cap="none" spc="0">
+                <a:solidFill>
+                  <a:srgbClr val="33FF00"/>
+                </a:solidFill>
+                <a:latin typeface="OCR A Extended"/>
+                <a:ea typeface="OCR A Extended"/>
+                <a:cs typeface="OCR A Extended"/>
+              </a:rPr>
+              <a:t>Core modules loaded successfully </a:t>
+            </a:r>
+            <a:r>
+              <a:rPr lang="en-US" sz="2800" b="0" i="0" u="none" strike="noStrike" cap="none" spc="0">
+                <a:solidFill>
+                  <a:srgbClr val="00B0F0"/>
+                </a:solidFill>
+                <a:latin typeface="OCR A Extended"/>
+                <a:ea typeface="OCR A Extended"/>
+                <a:cs typeface="OCR A Extended"/>
+              </a:rPr>
+              <a:t>✓</a:t>
+            </a:r>
+            <a:endParaRPr>
+              <a:solidFill>
+                <a:srgbClr val="00B0F0"/>
+              </a:solidFill>
+              <a:latin typeface="OCR A Extended"/>
+              <a:cs typeface="OCR A Extended"/>
+            </a:endParaRPr>
           </a:p>
         </p:txBody>
       </p:sp>
@@ -5794,10 +6062,14 @@
   </p:clrMapOvr>
   <mc:AlternateContent xmlns:mc="http://schemas.openxmlformats.org/markup-compatibility/2006">
     <mc:Choice xmlns:p159="http://schemas.microsoft.com/office/powerpoint/2015/09/main" xmlns:p14="http://schemas.microsoft.com/office/powerpoint/2010/main" Requires="p159">
-      <p:transition p14:dur="2000" advClick="1"/>
+      <p:transition spd="med" p14:dur="500" advClick="1">
+        <p159:morph option="byObject"/>
+      </p:transition>
     </mc:Choice>
     <mc:Fallback>
-      <p:transition advClick="1"/>
+      <p:transition spd="med" advClick="1">
+        <p:fade/>
+      </p:transition>
     </mc:Fallback>
   </mc:AlternateContent>
 </p:sld>
@@ -5822,7 +6094,7 @@
       </p:grpSpPr>
       <p:sp>
         <p:nvSpPr>
-          <p:cNvPr id="125516856" name="Title 1"/>
+          <p:cNvPr id="1571403713" name="Title 1"/>
           <p:cNvSpPr>
             <a:spLocks noGrp="1"/>
           </p:cNvSpPr>
@@ -5830,69 +6102,338 @@
             <p:ph type="title"/>
           </p:nvPr>
         </p:nvSpPr>
-        <p:spPr bwMode="auto"/>
-        <p:txBody>
-          <a:bodyPr/>
-          <a:lstStyle/>
-          <a:p>
-            <a:pPr>
-              <a:defRPr/>
-            </a:pPr>
-            <a:endParaRPr/>
-          </a:p>
-        </p:txBody>
-      </p:sp>
-      <p:sp>
-        <p:nvSpPr>
-          <p:cNvPr id="1372348646" name="Content Placeholder 2"/>
-          <p:cNvSpPr>
-            <a:spLocks noGrp="1"/>
-          </p:cNvSpPr>
-          <p:nvPr>
-            <p:ph sz="half" idx="1"/>
-          </p:nvPr>
-        </p:nvSpPr>
         <p:spPr bwMode="auto">
-          <a:xfrm>
-            <a:off x="838199" y="1825624"/>
-            <a:ext cx="5181599" cy="4351338"/>
+          <a:xfrm flipH="0" flipV="0">
+            <a:off x="838199" y="258535"/>
+            <a:ext cx="10515600" cy="1224642"/>
           </a:xfrm>
         </p:spPr>
         <p:txBody>
           <a:bodyPr/>
           <a:lstStyle/>
           <a:p>
-            <a:pPr>
-              <a:defRPr/>
-            </a:pPr>
-            <a:endParaRPr/>
-          </a:p>
-        </p:txBody>
-      </p:sp>
-      <p:sp>
-        <p:nvSpPr>
-          <p:cNvPr id="16630592" name="Content Placeholder 3"/>
-          <p:cNvSpPr>
-            <a:spLocks noGrp="1"/>
-          </p:cNvSpPr>
-          <p:nvPr>
-            <p:ph sz="half" idx="2"/>
+            <a:pPr algn="ctr">
+              <a:defRPr/>
+            </a:pPr>
+            <a:r>
+              <a:rPr>
+                <a:solidFill>
+                  <a:srgbClr val="33FF00"/>
+                </a:solidFill>
+                <a:highlight>
+                  <a:srgbClr val="00008B"/>
+                </a:highlight>
+                <a:latin typeface="OCR A Extended"/>
+                <a:ea typeface="OCR A Extended"/>
+                <a:cs typeface="OCR A Extended"/>
+              </a:rPr>
+              <a:t>Role in project</a:t>
+            </a:r>
+            <a:endParaRPr>
+              <a:solidFill>
+                <a:srgbClr val="33FF00"/>
+              </a:solidFill>
+              <a:highlight>
+                <a:srgbClr val="00008B"/>
+              </a:highlight>
+              <a:latin typeface="OCR A Extended"/>
+              <a:cs typeface="OCR A Extended"/>
+            </a:endParaRPr>
+          </a:p>
+        </p:txBody>
+      </p:sp>
+      <p:sp>
+        <p:nvSpPr>
+          <p:cNvPr id="843748924" name="Content Placeholder 2"/>
+          <p:cNvSpPr>
+            <a:spLocks noGrp="1"/>
+          </p:cNvSpPr>
+          <p:nvPr>
+            <p:ph idx="1"/>
           </p:nvPr>
         </p:nvSpPr>
         <p:spPr bwMode="auto">
-          <a:xfrm>
-            <a:off x="6172200" y="1825624"/>
-            <a:ext cx="5181599" cy="4351338"/>
+          <a:xfrm flipH="0" flipV="0">
+            <a:off x="838199" y="1619249"/>
+            <a:ext cx="10515600" cy="4789713"/>
           </a:xfrm>
         </p:spPr>
         <p:txBody>
-          <a:bodyPr/>
-          <a:lstStyle/>
-          <a:p>
-            <a:pPr>
-              <a:defRPr/>
-            </a:pPr>
-            <a:endParaRPr/>
+          <a:bodyPr vertOverflow="overflow" horzOverflow="overflow" vert="horz" wrap="square" lIns="91440" tIns="45720" rIns="91440" bIns="45720" numCol="1" spcCol="0" rtlCol="0" fromWordArt="0" anchor="t" anchorCtr="0" forceAA="0" upright="0" compatLnSpc="0">
+            <a:normAutofit fontScale="85000" lnSpcReduction="3000"/>
+          </a:bodyPr>
+          <a:lstStyle/>
+          <a:p>
+            <a:pPr marL="0" indent="0">
+              <a:buFont typeface="Arial"/>
+              <a:buNone/>
+              <a:defRPr/>
+            </a:pPr>
+            <a:r>
+              <a:rPr lang="en-US" sz="2400" b="0" i="0" u="none" strike="noStrike" cap="none" spc="0">
+                <a:solidFill>
+                  <a:srgbClr val="FFFF00"/>
+                </a:solidFill>
+                <a:latin typeface="OCR A Extended"/>
+                <a:ea typeface="OCR A Extended"/>
+                <a:cs typeface="OCR A Extended"/>
+              </a:rPr>
+              <a:t>$ ps aux | grep saurav</a:t>
+            </a:r>
+            <a:endParaRPr sz="2400" b="0" i="0" u="none" strike="noStrike" cap="none" spc="0">
+              <a:solidFill>
+                <a:srgbClr val="33FF00"/>
+              </a:solidFill>
+              <a:latin typeface="OCR A Extended"/>
+              <a:cs typeface="OCR A Extended"/>
+            </a:endParaRPr>
+          </a:p>
+          <a:p>
+            <a:pPr>
+              <a:defRPr/>
+            </a:pPr>
+            <a:endParaRPr sz="2400" b="0" i="0" u="none" strike="noStrike" cap="none" spc="0">
+              <a:solidFill>
+                <a:srgbClr val="33FF00"/>
+              </a:solidFill>
+              <a:latin typeface="OCR A Extended"/>
+              <a:cs typeface="OCR A Extended"/>
+            </a:endParaRPr>
+          </a:p>
+          <a:p>
+            <a:pPr marL="0" indent="0">
+              <a:buFont typeface="Arial"/>
+              <a:buNone/>
+              <a:defRPr/>
+            </a:pPr>
+            <a:r>
+              <a:rPr lang="en-US" sz="2400" b="0" i="0" u="none" strike="noStrike" cap="none" spc="0">
+                <a:solidFill>
+                  <a:srgbClr val="FF0000"/>
+                </a:solidFill>
+                <a:latin typeface="OCR A Extended"/>
+                <a:ea typeface="OCR A Extended"/>
+                <a:cs typeface="OCR A Extended"/>
+              </a:rPr>
+              <a:t>ROLE:</a:t>
+            </a:r>
+            <a:r>
+              <a:rPr lang="en-US" sz="2400" b="0" i="0" u="none" strike="noStrike" cap="none" spc="0">
+                <a:solidFill>
+                  <a:srgbClr val="33FF00"/>
+                </a:solidFill>
+                <a:latin typeface="OCR A Extended"/>
+                <a:ea typeface="OCR A Extended"/>
+                <a:cs typeface="OCR A Extended"/>
+              </a:rPr>
+              <a:t> Full-Stack Developer (Solo Project)</a:t>
+            </a:r>
+            <a:endParaRPr sz="2400" b="0" i="0" u="none" strike="noStrike" cap="none" spc="0">
+              <a:solidFill>
+                <a:srgbClr val="33FF00"/>
+              </a:solidFill>
+              <a:latin typeface="OCR A Extended"/>
+              <a:cs typeface="OCR A Extended"/>
+            </a:endParaRPr>
+          </a:p>
+          <a:p>
+            <a:pPr>
+              <a:defRPr/>
+            </a:pPr>
+            <a:endParaRPr sz="2400" b="0" i="0" u="none" strike="noStrike" cap="none" spc="0">
+              <a:solidFill>
+                <a:srgbClr val="33FF00"/>
+              </a:solidFill>
+              <a:latin typeface="OCR A Extended"/>
+              <a:cs typeface="OCR A Extended"/>
+            </a:endParaRPr>
+          </a:p>
+          <a:p>
+            <a:pPr marL="0" indent="0">
+              <a:buFont typeface="Arial"/>
+              <a:buNone/>
+              <a:defRPr/>
+            </a:pPr>
+            <a:r>
+              <a:rPr lang="en-US" sz="2400" b="0" i="0" u="none" strike="noStrike" cap="none" spc="0">
+                <a:solidFill>
+                  <a:srgbClr val="33FF00"/>
+                </a:solidFill>
+                <a:latin typeface="OCR A Extended"/>
+                <a:ea typeface="OCR A Extended"/>
+                <a:cs typeface="OCR A Extended"/>
+              </a:rPr>
+              <a:t>TASKS EXECUTED:</a:t>
+            </a:r>
+            <a:endParaRPr sz="2400" b="0" i="0" u="none" strike="noStrike" cap="none" spc="0">
+              <a:solidFill>
+                <a:srgbClr val="33FF00"/>
+              </a:solidFill>
+              <a:latin typeface="OCR A Extended"/>
+              <a:cs typeface="OCR A Extended"/>
+            </a:endParaRPr>
+          </a:p>
+          <a:p>
+            <a:pPr marL="0" indent="0">
+              <a:buFont typeface="Arial"/>
+              <a:buNone/>
+              <a:defRPr/>
+            </a:pPr>
+            <a:r>
+              <a:rPr lang="en-US" sz="2400" b="0" i="0" u="none" strike="noStrike" cap="none" spc="0">
+                <a:solidFill>
+                  <a:srgbClr val="33FF00"/>
+                </a:solidFill>
+                <a:latin typeface="OCR A Extended"/>
+                <a:ea typeface="OCR A Extended"/>
+                <a:cs typeface="OCR A Extended"/>
+              </a:rPr>
+              <a:t>🎨 Frontend: React + Redux + UI/UX</a:t>
+            </a:r>
+            <a:endParaRPr sz="2400" b="0" i="0" u="none" strike="noStrike" cap="none" spc="0">
+              <a:solidFill>
+                <a:srgbClr val="33FF00"/>
+              </a:solidFill>
+              <a:latin typeface="OCR A Extended"/>
+              <a:cs typeface="OCR A Extended"/>
+            </a:endParaRPr>
+          </a:p>
+          <a:p>
+            <a:pPr marL="0" indent="0">
+              <a:buFont typeface="Arial"/>
+              <a:buNone/>
+              <a:defRPr/>
+            </a:pPr>
+            <a:r>
+              <a:rPr lang="en-US" sz="2400" b="0" i="0" u="none" strike="noStrike" cap="none" spc="0">
+                <a:solidFill>
+                  <a:srgbClr val="33FF00"/>
+                </a:solidFill>
+                <a:latin typeface="OCR A Extended"/>
+                <a:ea typeface="OCR A Extended"/>
+                <a:cs typeface="OCR A Extended"/>
+              </a:rPr>
+              <a:t>⚡ Backend: Spring Boot + JWT + AES  </a:t>
+            </a:r>
+            <a:endParaRPr sz="2400" b="0" i="0" u="none" strike="noStrike" cap="none" spc="0">
+              <a:solidFill>
+                <a:srgbClr val="33FF00"/>
+              </a:solidFill>
+              <a:latin typeface="OCR A Extended"/>
+              <a:cs typeface="OCR A Extended"/>
+            </a:endParaRPr>
+          </a:p>
+          <a:p>
+            <a:pPr marL="0" indent="0">
+              <a:buFont typeface="Arial"/>
+              <a:buNone/>
+              <a:defRPr/>
+            </a:pPr>
+            <a:r>
+              <a:rPr lang="en-US" sz="2400" b="0" i="0" u="none" strike="noStrike" cap="none" spc="0">
+                <a:solidFill>
+                  <a:srgbClr val="33FF00"/>
+                </a:solidFill>
+                <a:latin typeface="OCR A Extended"/>
+                <a:ea typeface="OCR A Extended"/>
+                <a:cs typeface="OCR A Extended"/>
+              </a:rPr>
+              <a:t>🗄️ Database: MongoDB schema + optimization</a:t>
+            </a:r>
+            <a:endParaRPr sz="2400" b="0" i="0" u="none" strike="noStrike" cap="none" spc="0">
+              <a:solidFill>
+                <a:srgbClr val="33FF00"/>
+              </a:solidFill>
+              <a:latin typeface="OCR A Extended"/>
+              <a:cs typeface="OCR A Extended"/>
+            </a:endParaRPr>
+          </a:p>
+          <a:p>
+            <a:pPr marL="0" indent="0">
+              <a:buFont typeface="Arial"/>
+              <a:buNone/>
+              <a:defRPr/>
+            </a:pPr>
+            <a:r>
+              <a:rPr lang="en-US" sz="2400" b="0" i="0" u="none" strike="noStrike" cap="none" spc="0">
+                <a:solidFill>
+                  <a:srgbClr val="33FF00"/>
+                </a:solidFill>
+                <a:latin typeface="OCR A Extended"/>
+                <a:ea typeface="OCR A Extended"/>
+                <a:cs typeface="OCR A Extended"/>
+              </a:rPr>
+              <a:t>🧪 Testing: Postman + JUnit + debugging</a:t>
+            </a:r>
+            <a:endParaRPr sz="2400" b="0" i="0" u="none" strike="noStrike" cap="none" spc="0">
+              <a:solidFill>
+                <a:srgbClr val="33FF00"/>
+              </a:solidFill>
+              <a:latin typeface="OCR A Extended"/>
+              <a:cs typeface="OCR A Extended"/>
+            </a:endParaRPr>
+          </a:p>
+          <a:p>
+            <a:pPr>
+              <a:defRPr/>
+            </a:pPr>
+            <a:endParaRPr sz="2400" b="0" i="0" u="none" strike="noStrike" cap="none" spc="0">
+              <a:solidFill>
+                <a:srgbClr val="33FF00"/>
+              </a:solidFill>
+              <a:latin typeface="OCR A Extended"/>
+              <a:cs typeface="OCR A Extended"/>
+            </a:endParaRPr>
+          </a:p>
+          <a:p>
+            <a:pPr marL="0" indent="0">
+              <a:buFont typeface="Arial"/>
+              <a:buNone/>
+              <a:defRPr/>
+            </a:pPr>
+            <a:r>
+              <a:rPr lang="en-US" sz="2400" b="0" i="0" u="none" strike="noStrike" cap="none" spc="0">
+                <a:solidFill>
+                  <a:srgbClr val="33FF00"/>
+                </a:solidFill>
+                <a:latin typeface="OCR A Extended"/>
+                <a:ea typeface="OCR A Extended"/>
+                <a:cs typeface="OCR A Extended"/>
+              </a:rPr>
+              <a:t>CHALLENGES DEFEATED: CORS, file security, encryption, auth flow</a:t>
+            </a:r>
+            <a:endParaRPr sz="2400" b="0" i="0" u="none" strike="noStrike" cap="none" spc="0">
+              <a:solidFill>
+                <a:srgbClr val="33FF00"/>
+              </a:solidFill>
+              <a:latin typeface="OCR A Extended"/>
+              <a:cs typeface="OCR A Extended"/>
+            </a:endParaRPr>
+          </a:p>
+          <a:p>
+            <a:pPr marL="0" indent="0">
+              <a:buFont typeface="Arial"/>
+              <a:buNone/>
+              <a:defRPr/>
+            </a:pPr>
+            <a:r>
+              <a:rPr lang="en-US" sz="2400" b="0" i="0" u="none" strike="noStrike" cap="none" spc="0">
+                <a:solidFill>
+                  <a:srgbClr val="33FF00"/>
+                </a:solidFill>
+                <a:latin typeface="OCR A Extended"/>
+                <a:ea typeface="OCR A Extended"/>
+                <a:cs typeface="OCR A Extended"/>
+              </a:rPr>
+              <a:t>STATUS: All systems operational ✓</a:t>
+            </a:r>
+            <a:endParaRPr sz="2400">
+              <a:solidFill>
+                <a:srgbClr val="33FF00"/>
+              </a:solidFill>
+              <a:latin typeface="OCR A Extended"/>
+              <a:cs typeface="OCR A Extended"/>
+            </a:endParaRPr>
           </a:p>
         </p:txBody>
       </p:sp>
@@ -5903,10 +6444,14 @@
   </p:clrMapOvr>
   <mc:AlternateContent xmlns:mc="http://schemas.openxmlformats.org/markup-compatibility/2006">
     <mc:Choice xmlns:p159="http://schemas.microsoft.com/office/powerpoint/2015/09/main" xmlns:p14="http://schemas.microsoft.com/office/powerpoint/2010/main" Requires="p159">
-      <p:transition p14:dur="2000" advClick="1"/>
+      <p:transition spd="med" p14:dur="500" advClick="1">
+        <p159:morph option="byObject"/>
+      </p:transition>
     </mc:Choice>
     <mc:Fallback>
-      <p:transition advClick="1"/>
+      <p:transition spd="med" advClick="1">
+        <p:fade/>
+      </p:transition>
     </mc:Fallback>
   </mc:AlternateContent>
 </p:sld>
@@ -5931,7 +6476,7 @@
       </p:grpSpPr>
       <p:sp>
         <p:nvSpPr>
-          <p:cNvPr id="650906693" name="Title 1"/>
+          <p:cNvPr id="301683618" name="Title 1"/>
           <p:cNvSpPr>
             <a:spLocks noGrp="1"/>
           </p:cNvSpPr>
@@ -5944,64 +6489,250 @@
           <a:bodyPr/>
           <a:lstStyle/>
           <a:p>
-            <a:pPr>
-              <a:defRPr/>
-            </a:pPr>
-            <a:endParaRPr/>
-          </a:p>
-        </p:txBody>
-      </p:sp>
-      <p:sp>
-        <p:nvSpPr>
-          <p:cNvPr id="1619482087" name="Content Placeholder 2"/>
-          <p:cNvSpPr>
-            <a:spLocks noGrp="1"/>
-          </p:cNvSpPr>
-          <p:nvPr>
-            <p:ph sz="half" idx="1"/>
-          </p:nvPr>
-        </p:nvSpPr>
-        <p:spPr bwMode="auto">
-          <a:xfrm>
-            <a:off x="838199" y="1825624"/>
-            <a:ext cx="5181599" cy="4351338"/>
-          </a:xfrm>
-        </p:spPr>
-        <p:txBody>
-          <a:bodyPr/>
-          <a:lstStyle/>
-          <a:p>
-            <a:pPr>
-              <a:defRPr/>
-            </a:pPr>
-            <a:endParaRPr/>
-          </a:p>
-        </p:txBody>
-      </p:sp>
-      <p:sp>
-        <p:nvSpPr>
-          <p:cNvPr id="655330198" name="Content Placeholder 3"/>
-          <p:cNvSpPr>
-            <a:spLocks noGrp="1"/>
-          </p:cNvSpPr>
-          <p:nvPr>
-            <p:ph sz="half" idx="2"/>
-          </p:nvPr>
-        </p:nvSpPr>
-        <p:spPr bwMode="auto">
-          <a:xfrm>
-            <a:off x="6172200" y="1825624"/>
-            <a:ext cx="5181599" cy="4351338"/>
-          </a:xfrm>
-        </p:spPr>
-        <p:txBody>
-          <a:bodyPr/>
-          <a:lstStyle/>
-          <a:p>
-            <a:pPr>
-              <a:defRPr/>
-            </a:pPr>
-            <a:endParaRPr/>
+            <a:pPr algn="ctr">
+              <a:defRPr/>
+            </a:pPr>
+            <a:r>
+              <a:rPr>
+                <a:solidFill>
+                  <a:srgbClr val="33FF00"/>
+                </a:solidFill>
+                <a:highlight>
+                  <a:srgbClr val="00008B"/>
+                </a:highlight>
+                <a:latin typeface="OCR A Extended"/>
+                <a:ea typeface="OCR A Extended"/>
+                <a:cs typeface="OCR A Extended"/>
+              </a:rPr>
+              <a:t>Conclusion</a:t>
+            </a:r>
+            <a:endParaRPr>
+              <a:solidFill>
+                <a:srgbClr val="33FF00"/>
+              </a:solidFill>
+              <a:highlight>
+                <a:srgbClr val="00008B"/>
+              </a:highlight>
+              <a:latin typeface="OCR A Extended"/>
+              <a:cs typeface="OCR A Extended"/>
+            </a:endParaRPr>
+          </a:p>
+        </p:txBody>
+      </p:sp>
+      <p:sp>
+        <p:nvSpPr>
+          <p:cNvPr id="501506287" name="Content Placeholder 2"/>
+          <p:cNvSpPr>
+            <a:spLocks noGrp="1"/>
+          </p:cNvSpPr>
+          <p:nvPr>
+            <p:ph idx="1"/>
+          </p:nvPr>
+        </p:nvSpPr>
+        <p:spPr bwMode="auto"/>
+        <p:txBody>
+          <a:bodyPr vertOverflow="overflow" horzOverflow="overflow" vert="horz" wrap="square" lIns="91440" tIns="45720" rIns="91440" bIns="45720" numCol="1" spcCol="0" rtlCol="0" fromWordArt="0" anchor="t" anchorCtr="0" forceAA="0" upright="0" compatLnSpc="0">
+            <a:normAutofit fontScale="90000" lnSpcReduction="2000"/>
+          </a:bodyPr>
+          <a:lstStyle/>
+          <a:p>
+            <a:pPr marL="0" indent="0">
+              <a:buFont typeface="Arial"/>
+              <a:buNone/>
+              <a:defRPr/>
+            </a:pPr>
+            <a:r>
+              <a:rPr lang="en-US" sz="2800" b="0" i="0" u="none" strike="noStrike" cap="none" spc="0">
+                <a:solidFill>
+                  <a:srgbClr val="FFFF00"/>
+                </a:solidFill>
+                <a:latin typeface="OCR A Extended"/>
+                <a:ea typeface="OCR A Extended"/>
+                <a:cs typeface="OCR A Extended"/>
+              </a:rPr>
+              <a:t>$ git log --oneline</a:t>
+            </a:r>
+            <a:endParaRPr sz="2800" b="0" i="0" u="none" strike="noStrike" cap="none" spc="0">
+              <a:solidFill>
+                <a:srgbClr val="FFFF00"/>
+              </a:solidFill>
+              <a:latin typeface="OCR A Extended"/>
+              <a:cs typeface="OCR A Extended"/>
+            </a:endParaRPr>
+          </a:p>
+          <a:p>
+            <a:pPr>
+              <a:defRPr/>
+            </a:pPr>
+            <a:endParaRPr sz="2800" b="0" i="0" u="none" strike="noStrike" cap="none" spc="0">
+              <a:solidFill>
+                <a:srgbClr val="33FF00"/>
+              </a:solidFill>
+              <a:latin typeface="OCR A Extended"/>
+              <a:cs typeface="OCR A Extended"/>
+            </a:endParaRPr>
+          </a:p>
+          <a:p>
+            <a:pPr marL="0" indent="0">
+              <a:buFont typeface="Arial"/>
+              <a:buNone/>
+              <a:defRPr/>
+            </a:pPr>
+            <a:r>
+              <a:rPr lang="en-US" sz="2800" b="0" i="0" u="none" strike="noStrike" cap="none" spc="0">
+                <a:solidFill>
+                  <a:srgbClr val="33FF00"/>
+                </a:solidFill>
+                <a:latin typeface="OCR A Extended"/>
+                <a:ea typeface="OCR A Extended"/>
+                <a:cs typeface="OCR A Extended"/>
+              </a:rPr>
+              <a:t>✅ Secure developer vault: SHIPPED</a:t>
+            </a:r>
+            <a:endParaRPr sz="2800" b="0" i="0" u="none" strike="noStrike" cap="none" spc="0">
+              <a:solidFill>
+                <a:srgbClr val="33FF00"/>
+              </a:solidFill>
+              <a:latin typeface="OCR A Extended"/>
+              <a:cs typeface="OCR A Extended"/>
+            </a:endParaRPr>
+          </a:p>
+          <a:p>
+            <a:pPr marL="0" indent="0">
+              <a:buFont typeface="Arial"/>
+              <a:buNone/>
+              <a:defRPr/>
+            </a:pPr>
+            <a:r>
+              <a:rPr lang="en-US" sz="2800" b="0" i="0" u="none" strike="noStrike" cap="none" spc="0">
+                <a:solidFill>
+                  <a:srgbClr val="33FF00"/>
+                </a:solidFill>
+                <a:latin typeface="OCR A Extended"/>
+                <a:ea typeface="OCR A Extended"/>
+                <a:cs typeface="OCR A Extended"/>
+              </a:rPr>
+              <a:t>💪 Skills gained: Full-stack + Security  </a:t>
+            </a:r>
+            <a:endParaRPr sz="2800" b="0" i="0" u="none" strike="noStrike" cap="none" spc="0">
+              <a:solidFill>
+                <a:srgbClr val="33FF00"/>
+              </a:solidFill>
+              <a:latin typeface="OCR A Extended"/>
+              <a:cs typeface="OCR A Extended"/>
+            </a:endParaRPr>
+          </a:p>
+          <a:p>
+            <a:pPr marL="0" indent="0">
+              <a:buFont typeface="Arial"/>
+              <a:buNone/>
+              <a:defRPr/>
+            </a:pPr>
+            <a:r>
+              <a:rPr lang="en-US" sz="2800" b="0" i="0" u="none" strike="noStrike" cap="none" spc="0">
+                <a:solidFill>
+                  <a:srgbClr val="33FF00"/>
+                </a:solidFill>
+                <a:latin typeface="OCR A Extended"/>
+                <a:ea typeface="OCR A Extended"/>
+                <a:cs typeface="OCR A Extended"/>
+              </a:rPr>
+              <a:t>🚀 Future: Mobile + Cloud + Teams</a:t>
+            </a:r>
+            <a:endParaRPr sz="2800" b="0" i="0" u="none" strike="noStrike" cap="none" spc="0">
+              <a:solidFill>
+                <a:srgbClr val="33FF00"/>
+              </a:solidFill>
+              <a:latin typeface="OCR A Extended"/>
+              <a:cs typeface="OCR A Extended"/>
+            </a:endParaRPr>
+          </a:p>
+          <a:p>
+            <a:pPr marL="0" indent="0">
+              <a:buFont typeface="Arial"/>
+              <a:buNone/>
+              <a:defRPr/>
+            </a:pPr>
+            <a:r>
+              <a:rPr lang="en-US" sz="2800" b="0" i="0" u="none" strike="noStrike" cap="none" spc="0">
+                <a:solidFill>
+                  <a:srgbClr val="33FF00"/>
+                </a:solidFill>
+                <a:latin typeface="OCR A Extended"/>
+                <a:ea typeface="OCR A Extended"/>
+                <a:cs typeface="OCR A Extended"/>
+              </a:rPr>
+              <a:t>🎯 Impact: Better dev productivity</a:t>
+            </a:r>
+            <a:endParaRPr sz="2800" b="0" i="0" u="none" strike="noStrike" cap="none" spc="0">
+              <a:solidFill>
+                <a:srgbClr val="33FF00"/>
+              </a:solidFill>
+              <a:latin typeface="OCR A Extended"/>
+              <a:cs typeface="OCR A Extended"/>
+            </a:endParaRPr>
+          </a:p>
+          <a:p>
+            <a:pPr>
+              <a:defRPr/>
+            </a:pPr>
+            <a:endParaRPr sz="2800" b="0" i="0" u="none" strike="noStrike" cap="none" spc="0">
+              <a:solidFill>
+                <a:srgbClr val="33FF00"/>
+              </a:solidFill>
+              <a:latin typeface="OCR A Extended"/>
+              <a:cs typeface="OCR A Extended"/>
+            </a:endParaRPr>
+          </a:p>
+          <a:p>
+            <a:pPr marL="0" indent="0">
+              <a:buFont typeface="Arial"/>
+              <a:buNone/>
+              <a:defRPr/>
+            </a:pPr>
+            <a:r>
+              <a:rPr lang="en-US" sz="2800" b="0" i="0" u="none" strike="noStrike" cap="none" spc="0">
+                <a:solidFill>
+                  <a:srgbClr val="33FF00"/>
+                </a:solidFill>
+                <a:latin typeface="OCR A Extended"/>
+                <a:ea typeface="OCR A Extended"/>
+                <a:cs typeface="OCR A Extended"/>
+              </a:rPr>
+              <a:t>saurav@devvault:~$ ./demo --ready</a:t>
+            </a:r>
+            <a:endParaRPr sz="2800" b="0" i="0" u="none" strike="noStrike" cap="none" spc="0">
+              <a:solidFill>
+                <a:srgbClr val="33FF00"/>
+              </a:solidFill>
+              <a:latin typeface="OCR A Extended"/>
+              <a:cs typeface="OCR A Extended"/>
+            </a:endParaRPr>
+          </a:p>
+          <a:p>
+            <a:pPr marL="0" indent="0">
+              <a:buFont typeface="Arial"/>
+              <a:buNone/>
+              <a:defRPr/>
+            </a:pPr>
+            <a:r>
+              <a:rPr lang="en-US" sz="2800" b="0" i="0" u="none" strike="noStrike" cap="none" spc="0">
+                <a:solidFill>
+                  <a:srgbClr val="33FF00"/>
+                </a:solidFill>
+                <a:latin typeface="OCR A Extended"/>
+                <a:ea typeface="OCR A Extended"/>
+                <a:cs typeface="OCR A Extended"/>
+              </a:rPr>
+              <a:t>&gt; Questions? Fire away! 🔥</a:t>
+            </a:r>
+            <a:endParaRPr>
+              <a:solidFill>
+                <a:srgbClr val="33FF00"/>
+              </a:solidFill>
+              <a:latin typeface="OCR A Extended"/>
+              <a:cs typeface="OCR A Extended"/>
+            </a:endParaRPr>
           </a:p>
         </p:txBody>
       </p:sp>
@@ -6012,10 +6743,14 @@
   </p:clrMapOvr>
   <mc:AlternateContent xmlns:mc="http://schemas.openxmlformats.org/markup-compatibility/2006">
     <mc:Choice xmlns:p159="http://schemas.microsoft.com/office/powerpoint/2015/09/main" xmlns:p14="http://schemas.microsoft.com/office/powerpoint/2010/main" Requires="p159">
-      <p:transition p14:dur="2000" advClick="1"/>
+      <p:transition spd="med" p14:dur="500" advClick="1">
+        <p159:morph option="byObject"/>
+      </p:transition>
     </mc:Choice>
     <mc:Fallback>
-      <p:transition advClick="1"/>
+      <p:transition spd="med" advClick="1">
+        <p:fade/>
+      </p:transition>
     </mc:Fallback>
   </mc:AlternateContent>
 </p:sld>

--- a/Presentation/Presentation1.pptx
+++ b/Presentation/Presentation1.pptx
@@ -140,7 +140,7 @@
       </p:grpSpPr>
       <p:sp>
         <p:nvSpPr>
-          <p:cNvPr id="128125956" name="Header Placeholder 1"/>
+          <p:cNvPr id="117224338" name="Header Placeholder 1"/>
           <p:cNvSpPr>
             <a:spLocks noGrp="1"/>
           </p:cNvSpPr>
@@ -174,7 +174,7 @@
       </p:sp>
       <p:sp>
         <p:nvSpPr>
-          <p:cNvPr id="1629977724" name="Date Placeholder 2"/>
+          <p:cNvPr id="717797482" name="Date Placeholder 2"/>
           <p:cNvSpPr>
             <a:spLocks noGrp="1"/>
           </p:cNvSpPr>
@@ -212,7 +212,7 @@
       </p:sp>
       <p:sp>
         <p:nvSpPr>
-          <p:cNvPr id="1489673116" name="Slide Image Placeholder 3"/>
+          <p:cNvPr id="547378859" name="Slide Image Placeholder 3"/>
           <p:cNvSpPr>
             <a:spLocks noChangeAspect="1" noGrp="1" noRot="1"/>
           </p:cNvSpPr>
@@ -248,7 +248,7 @@
       </p:sp>
       <p:sp>
         <p:nvSpPr>
-          <p:cNvPr id="619291090" name="Notes Placeholder 4"/>
+          <p:cNvPr id="383390755" name="Notes Placeholder 4"/>
           <p:cNvSpPr>
             <a:spLocks noGrp="1"/>
           </p:cNvSpPr>
@@ -322,7 +322,7 @@
       </p:sp>
       <p:sp>
         <p:nvSpPr>
-          <p:cNvPr id="614548622" name="Footer Placeholder 5"/>
+          <p:cNvPr id="1542840041" name="Footer Placeholder 5"/>
           <p:cNvSpPr>
             <a:spLocks noGrp="1"/>
           </p:cNvSpPr>
@@ -356,7 +356,7 @@
       </p:sp>
       <p:sp>
         <p:nvSpPr>
-          <p:cNvPr id="1948564762" name="Slide Number Placeholder 6"/>
+          <p:cNvPr id="2059973721" name="Slide Number Placeholder 6"/>
           <p:cNvSpPr>
             <a:spLocks noGrp="1"/>
           </p:cNvSpPr>
@@ -509,7 +509,7 @@
       </p:grpSpPr>
       <p:sp>
         <p:nvSpPr>
-          <p:cNvPr id="1750289627" name="Slide Image Placeholder 1"/>
+          <p:cNvPr id="445879907" name="Slide Image Placeholder 1"/>
           <p:cNvSpPr>
             <a:spLocks noChangeAspect="1" noGrp="1" noRot="1"/>
           </p:cNvSpPr>
@@ -526,7 +526,7 @@
       </p:sp>
       <p:sp>
         <p:nvSpPr>
-          <p:cNvPr id="1177702404" name="Notes Placeholder 2"/>
+          <p:cNvPr id="1488659146" name="Notes Placeholder 2"/>
           <p:cNvSpPr>
             <a:spLocks noGrp="1"/>
           </p:cNvSpPr>
@@ -551,7 +551,7 @@
       </p:sp>
       <p:sp>
         <p:nvSpPr>
-          <p:cNvPr id="290056737" name="Slide Number Placeholder 3"/>
+          <p:cNvPr id="551831691" name="Slide Number Placeholder 3"/>
           <p:cNvSpPr>
             <a:spLocks noGrp="1"/>
           </p:cNvSpPr>
@@ -1112,7 +1112,7 @@
       </p:grpSpPr>
       <p:sp>
         <p:nvSpPr>
-          <p:cNvPr id="1923722401" name="Title 1"/>
+          <p:cNvPr id="1498151836" name="Title 1"/>
           <p:cNvSpPr>
             <a:spLocks noGrp="1"/>
           </p:cNvSpPr>
@@ -1147,7 +1147,7 @@
       </p:sp>
       <p:sp>
         <p:nvSpPr>
-          <p:cNvPr id="739997257" name="Subtitle 2"/>
+          <p:cNvPr id="213400434" name="Subtitle 2"/>
           <p:cNvSpPr>
             <a:spLocks noGrp="1"/>
           </p:cNvSpPr>
@@ -1215,7 +1215,7 @@
       </p:sp>
       <p:sp>
         <p:nvSpPr>
-          <p:cNvPr id="1747580000" name="Date Placeholder 3"/>
+          <p:cNvPr id="279860918" name="Date Placeholder 3"/>
           <p:cNvSpPr>
             <a:spLocks noGrp="1"/>
           </p:cNvSpPr>
@@ -1241,7 +1241,7 @@
       </p:sp>
       <p:sp>
         <p:nvSpPr>
-          <p:cNvPr id="309693033" name="Footer Placeholder 4"/>
+          <p:cNvPr id="377852945" name="Footer Placeholder 4"/>
           <p:cNvSpPr>
             <a:spLocks noGrp="1"/>
           </p:cNvSpPr>
@@ -1263,7 +1263,7 @@
       </p:sp>
       <p:sp>
         <p:nvSpPr>
-          <p:cNvPr id="567433852" name="Slide Number Placeholder 5"/>
+          <p:cNvPr id="1889887971" name="Slide Number Placeholder 5"/>
           <p:cNvSpPr>
             <a:spLocks noGrp="1"/>
           </p:cNvSpPr>
@@ -1314,7 +1314,7 @@
       </p:grpSpPr>
       <p:sp>
         <p:nvSpPr>
-          <p:cNvPr id="446321787" name="Title 1"/>
+          <p:cNvPr id="1716384319" name="Title 1"/>
           <p:cNvSpPr>
             <a:spLocks noGrp="1"/>
           </p:cNvSpPr>
@@ -1340,7 +1340,7 @@
       </p:sp>
       <p:sp>
         <p:nvSpPr>
-          <p:cNvPr id="585883688" name="Vertical Text Placeholder 2"/>
+          <p:cNvPr id="1234948313" name="Vertical Text Placeholder 2"/>
           <p:cNvSpPr>
             <a:spLocks noGrp="1"/>
           </p:cNvSpPr>
@@ -1406,7 +1406,7 @@
       </p:sp>
       <p:sp>
         <p:nvSpPr>
-          <p:cNvPr id="169230928" name="Date Placeholder 3"/>
+          <p:cNvPr id="1186631972" name="Date Placeholder 3"/>
           <p:cNvSpPr>
             <a:spLocks noGrp="1"/>
           </p:cNvSpPr>
@@ -1432,7 +1432,7 @@
       </p:sp>
       <p:sp>
         <p:nvSpPr>
-          <p:cNvPr id="940912607" name="Footer Placeholder 4"/>
+          <p:cNvPr id="35522074" name="Footer Placeholder 4"/>
           <p:cNvSpPr>
             <a:spLocks noGrp="1"/>
           </p:cNvSpPr>
@@ -1454,7 +1454,7 @@
       </p:sp>
       <p:sp>
         <p:nvSpPr>
-          <p:cNvPr id="1828606279" name="Slide Number Placeholder 5"/>
+          <p:cNvPr id="1282343823" name="Slide Number Placeholder 5"/>
           <p:cNvSpPr>
             <a:spLocks noGrp="1"/>
           </p:cNvSpPr>
@@ -1505,7 +1505,7 @@
       </p:grpSpPr>
       <p:sp>
         <p:nvSpPr>
-          <p:cNvPr id="36508084" name="Vertical Title 1"/>
+          <p:cNvPr id="1911118870" name="Vertical Title 1"/>
           <p:cNvSpPr>
             <a:spLocks noGrp="1"/>
           </p:cNvSpPr>
@@ -1536,7 +1536,7 @@
       </p:sp>
       <p:sp>
         <p:nvSpPr>
-          <p:cNvPr id="1750673578" name="Vertical Text Placeholder 2"/>
+          <p:cNvPr id="8889266" name="Vertical Text Placeholder 2"/>
           <p:cNvSpPr>
             <a:spLocks noGrp="1"/>
           </p:cNvSpPr>
@@ -1607,7 +1607,7 @@
       </p:sp>
       <p:sp>
         <p:nvSpPr>
-          <p:cNvPr id="181677262" name="Date Placeholder 3"/>
+          <p:cNvPr id="305447666" name="Date Placeholder 3"/>
           <p:cNvSpPr>
             <a:spLocks noGrp="1"/>
           </p:cNvSpPr>
@@ -1633,7 +1633,7 @@
       </p:sp>
       <p:sp>
         <p:nvSpPr>
-          <p:cNvPr id="1832508704" name="Footer Placeholder 4"/>
+          <p:cNvPr id="1983505606" name="Footer Placeholder 4"/>
           <p:cNvSpPr>
             <a:spLocks noGrp="1"/>
           </p:cNvSpPr>
@@ -1655,7 +1655,7 @@
       </p:sp>
       <p:sp>
         <p:nvSpPr>
-          <p:cNvPr id="780762104" name="Slide Number Placeholder 5"/>
+          <p:cNvPr id="1855998556" name="Slide Number Placeholder 5"/>
           <p:cNvSpPr>
             <a:spLocks noGrp="1"/>
           </p:cNvSpPr>
@@ -1706,7 +1706,7 @@
       </p:grpSpPr>
       <p:sp>
         <p:nvSpPr>
-          <p:cNvPr id="2110615972" name="Title 1"/>
+          <p:cNvPr id="1978702534" name="Title 1"/>
           <p:cNvSpPr>
             <a:spLocks noGrp="1"/>
           </p:cNvSpPr>
@@ -1732,7 +1732,7 @@
       </p:sp>
       <p:sp>
         <p:nvSpPr>
-          <p:cNvPr id="249960196" name="Content Placeholder 2"/>
+          <p:cNvPr id="1821674874" name="Content Placeholder 2"/>
           <p:cNvSpPr>
             <a:spLocks noGrp="1"/>
           </p:cNvSpPr>
@@ -1798,7 +1798,7 @@
       </p:sp>
       <p:sp>
         <p:nvSpPr>
-          <p:cNvPr id="1712830894" name="Date Placeholder 3"/>
+          <p:cNvPr id="956486534" name="Date Placeholder 3"/>
           <p:cNvSpPr>
             <a:spLocks noGrp="1"/>
           </p:cNvSpPr>
@@ -1824,7 +1824,7 @@
       </p:sp>
       <p:sp>
         <p:nvSpPr>
-          <p:cNvPr id="1739270036" name="Footer Placeholder 4"/>
+          <p:cNvPr id="1352128797" name="Footer Placeholder 4"/>
           <p:cNvSpPr>
             <a:spLocks noGrp="1"/>
           </p:cNvSpPr>
@@ -1846,7 +1846,7 @@
       </p:sp>
       <p:sp>
         <p:nvSpPr>
-          <p:cNvPr id="1432652149" name="Slide Number Placeholder 5"/>
+          <p:cNvPr id="968807970" name="Slide Number Placeholder 5"/>
           <p:cNvSpPr>
             <a:spLocks noGrp="1"/>
           </p:cNvSpPr>
@@ -1897,7 +1897,7 @@
       </p:grpSpPr>
       <p:sp>
         <p:nvSpPr>
-          <p:cNvPr id="1980260797" name="Title 1"/>
+          <p:cNvPr id="1357776722" name="Title 1"/>
           <p:cNvSpPr>
             <a:spLocks noGrp="1"/>
           </p:cNvSpPr>
@@ -1932,7 +1932,7 @@
       </p:sp>
       <p:sp>
         <p:nvSpPr>
-          <p:cNvPr id="402993727" name="Text Placeholder 2"/>
+          <p:cNvPr id="174107577" name="Text Placeholder 2"/>
           <p:cNvSpPr>
             <a:spLocks noGrp="1"/>
           </p:cNvSpPr>
@@ -2054,7 +2054,7 @@
       </p:sp>
       <p:sp>
         <p:nvSpPr>
-          <p:cNvPr id="462952168" name="Date Placeholder 3"/>
+          <p:cNvPr id="542960188" name="Date Placeholder 3"/>
           <p:cNvSpPr>
             <a:spLocks noGrp="1"/>
           </p:cNvSpPr>
@@ -2080,7 +2080,7 @@
       </p:sp>
       <p:sp>
         <p:nvSpPr>
-          <p:cNvPr id="1907707587" name="Footer Placeholder 4"/>
+          <p:cNvPr id="1190166880" name="Footer Placeholder 4"/>
           <p:cNvSpPr>
             <a:spLocks noGrp="1"/>
           </p:cNvSpPr>
@@ -2102,7 +2102,7 @@
       </p:sp>
       <p:sp>
         <p:nvSpPr>
-          <p:cNvPr id="1589505102" name="Slide Number Placeholder 5"/>
+          <p:cNvPr id="973919877" name="Slide Number Placeholder 5"/>
           <p:cNvSpPr>
             <a:spLocks noGrp="1"/>
           </p:cNvSpPr>
@@ -2153,7 +2153,7 @@
       </p:grpSpPr>
       <p:sp>
         <p:nvSpPr>
-          <p:cNvPr id="2104967446" name="Title 1"/>
+          <p:cNvPr id="865894172" name="Title 1"/>
           <p:cNvSpPr>
             <a:spLocks noGrp="1"/>
           </p:cNvSpPr>
@@ -2179,7 +2179,7 @@
       </p:sp>
       <p:sp>
         <p:nvSpPr>
-          <p:cNvPr id="617830169" name="Content Placeholder 2"/>
+          <p:cNvPr id="731265318" name="Content Placeholder 2"/>
           <p:cNvSpPr>
             <a:spLocks noGrp="1"/>
           </p:cNvSpPr>
@@ -2250,7 +2250,7 @@
       </p:sp>
       <p:sp>
         <p:nvSpPr>
-          <p:cNvPr id="606946378" name="Content Placeholder 3"/>
+          <p:cNvPr id="806418551" name="Content Placeholder 3"/>
           <p:cNvSpPr>
             <a:spLocks noGrp="1"/>
           </p:cNvSpPr>
@@ -2321,7 +2321,7 @@
       </p:sp>
       <p:sp>
         <p:nvSpPr>
-          <p:cNvPr id="1440305759" name="Date Placeholder 4"/>
+          <p:cNvPr id="1176174058" name="Date Placeholder 4"/>
           <p:cNvSpPr>
             <a:spLocks noGrp="1"/>
           </p:cNvSpPr>
@@ -2347,7 +2347,7 @@
       </p:sp>
       <p:sp>
         <p:nvSpPr>
-          <p:cNvPr id="1189556499" name="Footer Placeholder 5"/>
+          <p:cNvPr id="574949063" name="Footer Placeholder 5"/>
           <p:cNvSpPr>
             <a:spLocks noGrp="1"/>
           </p:cNvSpPr>
@@ -2369,7 +2369,7 @@
       </p:sp>
       <p:sp>
         <p:nvSpPr>
-          <p:cNvPr id="1835519987" name="Slide Number Placeholder 6"/>
+          <p:cNvPr id="666887252" name="Slide Number Placeholder 6"/>
           <p:cNvSpPr>
             <a:spLocks noGrp="1"/>
           </p:cNvSpPr>
@@ -2420,7 +2420,7 @@
       </p:grpSpPr>
       <p:sp>
         <p:nvSpPr>
-          <p:cNvPr id="804394834" name="Title 1"/>
+          <p:cNvPr id="1350163971" name="Title 1"/>
           <p:cNvSpPr>
             <a:spLocks noGrp="1"/>
           </p:cNvSpPr>
@@ -2451,7 +2451,7 @@
       </p:sp>
       <p:sp>
         <p:nvSpPr>
-          <p:cNvPr id="1039044756" name="Text Placeholder 2"/>
+          <p:cNvPr id="250623978" name="Text Placeholder 2"/>
           <p:cNvSpPr>
             <a:spLocks noGrp="1"/>
           </p:cNvSpPr>
@@ -2519,7 +2519,7 @@
       </p:sp>
       <p:sp>
         <p:nvSpPr>
-          <p:cNvPr id="807569597" name="Content Placeholder 3"/>
+          <p:cNvPr id="917823375" name="Content Placeholder 3"/>
           <p:cNvSpPr>
             <a:spLocks noGrp="1"/>
           </p:cNvSpPr>
@@ -2590,7 +2590,7 @@
       </p:sp>
       <p:sp>
         <p:nvSpPr>
-          <p:cNvPr id="1360749203" name="Text Placeholder 4"/>
+          <p:cNvPr id="2126578752" name="Text Placeholder 4"/>
           <p:cNvSpPr>
             <a:spLocks noGrp="1"/>
           </p:cNvSpPr>
@@ -2658,7 +2658,7 @@
       </p:sp>
       <p:sp>
         <p:nvSpPr>
-          <p:cNvPr id="880736854" name="Content Placeholder 5"/>
+          <p:cNvPr id="660204314" name="Content Placeholder 5"/>
           <p:cNvSpPr>
             <a:spLocks noGrp="1"/>
           </p:cNvSpPr>
@@ -2729,7 +2729,7 @@
       </p:sp>
       <p:sp>
         <p:nvSpPr>
-          <p:cNvPr id="95191691" name="Date Placeholder 6"/>
+          <p:cNvPr id="1448450997" name="Date Placeholder 6"/>
           <p:cNvSpPr>
             <a:spLocks noGrp="1"/>
           </p:cNvSpPr>
@@ -2755,7 +2755,7 @@
       </p:sp>
       <p:sp>
         <p:nvSpPr>
-          <p:cNvPr id="1528552765" name="Footer Placeholder 7"/>
+          <p:cNvPr id="1780906880" name="Footer Placeholder 7"/>
           <p:cNvSpPr>
             <a:spLocks noGrp="1"/>
           </p:cNvSpPr>
@@ -2777,7 +2777,7 @@
       </p:sp>
       <p:sp>
         <p:nvSpPr>
-          <p:cNvPr id="1621898695" name="Slide Number Placeholder 8"/>
+          <p:cNvPr id="1405844226" name="Slide Number Placeholder 8"/>
           <p:cNvSpPr>
             <a:spLocks noGrp="1"/>
           </p:cNvSpPr>
@@ -2828,7 +2828,7 @@
       </p:grpSpPr>
       <p:sp>
         <p:nvSpPr>
-          <p:cNvPr id="2048628960" name="Title 1"/>
+          <p:cNvPr id="95884785" name="Title 1"/>
           <p:cNvSpPr>
             <a:spLocks noGrp="1"/>
           </p:cNvSpPr>
@@ -2854,7 +2854,7 @@
       </p:sp>
       <p:sp>
         <p:nvSpPr>
-          <p:cNvPr id="1662884412" name="Date Placeholder 2"/>
+          <p:cNvPr id="2127896478" name="Date Placeholder 2"/>
           <p:cNvSpPr>
             <a:spLocks noGrp="1"/>
           </p:cNvSpPr>
@@ -2880,7 +2880,7 @@
       </p:sp>
       <p:sp>
         <p:nvSpPr>
-          <p:cNvPr id="1853510084" name="Footer Placeholder 3"/>
+          <p:cNvPr id="235192647" name="Footer Placeholder 3"/>
           <p:cNvSpPr>
             <a:spLocks noGrp="1"/>
           </p:cNvSpPr>
@@ -2902,7 +2902,7 @@
       </p:sp>
       <p:sp>
         <p:nvSpPr>
-          <p:cNvPr id="1903464895" name="Slide Number Placeholder 4"/>
+          <p:cNvPr id="328176587" name="Slide Number Placeholder 4"/>
           <p:cNvSpPr>
             <a:spLocks noGrp="1"/>
           </p:cNvSpPr>
@@ -2953,7 +2953,7 @@
       </p:grpSpPr>
       <p:sp>
         <p:nvSpPr>
-          <p:cNvPr id="883607729" name="Date Placeholder 1"/>
+          <p:cNvPr id="1717019721" name="Date Placeholder 1"/>
           <p:cNvSpPr>
             <a:spLocks noGrp="1"/>
           </p:cNvSpPr>
@@ -2979,7 +2979,7 @@
       </p:sp>
       <p:sp>
         <p:nvSpPr>
-          <p:cNvPr id="36337524" name="Footer Placeholder 2"/>
+          <p:cNvPr id="1250619441" name="Footer Placeholder 2"/>
           <p:cNvSpPr>
             <a:spLocks noGrp="1"/>
           </p:cNvSpPr>
@@ -3001,7 +3001,7 @@
       </p:sp>
       <p:sp>
         <p:nvSpPr>
-          <p:cNvPr id="167563035" name="Slide Number Placeholder 3"/>
+          <p:cNvPr id="1773309880" name="Slide Number Placeholder 3"/>
           <p:cNvSpPr>
             <a:spLocks noGrp="1"/>
           </p:cNvSpPr>
@@ -3052,7 +3052,7 @@
       </p:grpSpPr>
       <p:sp>
         <p:nvSpPr>
-          <p:cNvPr id="1493138268" name="Title 1"/>
+          <p:cNvPr id="1195512860" name="Title 1"/>
           <p:cNvSpPr>
             <a:spLocks noGrp="1"/>
           </p:cNvSpPr>
@@ -3087,7 +3087,7 @@
       </p:sp>
       <p:sp>
         <p:nvSpPr>
-          <p:cNvPr id="1561852097" name="Content Placeholder 2"/>
+          <p:cNvPr id="585331545" name="Content Placeholder 2"/>
           <p:cNvSpPr>
             <a:spLocks noGrp="1"/>
           </p:cNvSpPr>
@@ -3186,7 +3186,7 @@
       </p:sp>
       <p:sp>
         <p:nvSpPr>
-          <p:cNvPr id="871497820" name="Text Placeholder 3"/>
+          <p:cNvPr id="1502966328" name="Text Placeholder 3"/>
           <p:cNvSpPr>
             <a:spLocks noGrp="1"/>
           </p:cNvSpPr>
@@ -3254,7 +3254,7 @@
       </p:sp>
       <p:sp>
         <p:nvSpPr>
-          <p:cNvPr id="1908154711" name="Date Placeholder 4"/>
+          <p:cNvPr id="493120419" name="Date Placeholder 4"/>
           <p:cNvSpPr>
             <a:spLocks noGrp="1"/>
           </p:cNvSpPr>
@@ -3280,7 +3280,7 @@
       </p:sp>
       <p:sp>
         <p:nvSpPr>
-          <p:cNvPr id="1668304858" name="Footer Placeholder 5"/>
+          <p:cNvPr id="1826672025" name="Footer Placeholder 5"/>
           <p:cNvSpPr>
             <a:spLocks noGrp="1"/>
           </p:cNvSpPr>
@@ -3302,7 +3302,7 @@
       </p:sp>
       <p:sp>
         <p:nvSpPr>
-          <p:cNvPr id="1393274992" name="Slide Number Placeholder 6"/>
+          <p:cNvPr id="492029887" name="Slide Number Placeholder 6"/>
           <p:cNvSpPr>
             <a:spLocks noGrp="1"/>
           </p:cNvSpPr>
@@ -3353,7 +3353,7 @@
       </p:grpSpPr>
       <p:sp>
         <p:nvSpPr>
-          <p:cNvPr id="1465704744" name="Title 1"/>
+          <p:cNvPr id="1214643333" name="Title 1"/>
           <p:cNvSpPr>
             <a:spLocks noGrp="1"/>
           </p:cNvSpPr>
@@ -3388,7 +3388,7 @@
       </p:sp>
       <p:sp>
         <p:nvSpPr>
-          <p:cNvPr id="345951334" name="Picture Placeholder 2"/>
+          <p:cNvPr id="1864634258" name="Picture Placeholder 2"/>
           <p:cNvSpPr>
             <a:spLocks noChangeAspect="1" noGrp="1"/>
           </p:cNvSpPr>
@@ -3456,7 +3456,7 @@
       </p:sp>
       <p:sp>
         <p:nvSpPr>
-          <p:cNvPr id="1878414321" name="Text Placeholder 3"/>
+          <p:cNvPr id="45251067" name="Text Placeholder 3"/>
           <p:cNvSpPr>
             <a:spLocks noGrp="1"/>
           </p:cNvSpPr>
@@ -3524,7 +3524,7 @@
       </p:sp>
       <p:sp>
         <p:nvSpPr>
-          <p:cNvPr id="1174767366" name="Date Placeholder 4"/>
+          <p:cNvPr id="720777591" name="Date Placeholder 4"/>
           <p:cNvSpPr>
             <a:spLocks noGrp="1"/>
           </p:cNvSpPr>
@@ -3550,7 +3550,7 @@
       </p:sp>
       <p:sp>
         <p:nvSpPr>
-          <p:cNvPr id="1609577920" name="Footer Placeholder 5"/>
+          <p:cNvPr id="1367899817" name="Footer Placeholder 5"/>
           <p:cNvSpPr>
             <a:spLocks noGrp="1"/>
           </p:cNvSpPr>
@@ -3572,7 +3572,7 @@
       </p:sp>
       <p:sp>
         <p:nvSpPr>
-          <p:cNvPr id="1132462333" name="Slide Number Placeholder 6"/>
+          <p:cNvPr id="328038227" name="Slide Number Placeholder 6"/>
           <p:cNvSpPr>
             <a:spLocks noGrp="1"/>
           </p:cNvSpPr>
@@ -3659,7 +3659,7 @@
       </p:grpSpPr>
       <p:sp>
         <p:nvSpPr>
-          <p:cNvPr id="77494094" name="Title Placeholder 1"/>
+          <p:cNvPr id="1272342919" name="Title Placeholder 1"/>
           <p:cNvSpPr>
             <a:spLocks noGrp="1"/>
           </p:cNvSpPr>
@@ -3695,7 +3695,7 @@
       </p:sp>
       <p:sp>
         <p:nvSpPr>
-          <p:cNvPr id="1612183216" name="Text Placeholder 2"/>
+          <p:cNvPr id="1068012433" name="Text Placeholder 2"/>
           <p:cNvSpPr>
             <a:spLocks noGrp="1"/>
           </p:cNvSpPr>
@@ -3771,7 +3771,7 @@
       </p:sp>
       <p:sp>
         <p:nvSpPr>
-          <p:cNvPr id="2060193377" name="Date Placeholder 3"/>
+          <p:cNvPr id="1599431690" name="Date Placeholder 3"/>
           <p:cNvSpPr>
             <a:spLocks noGrp="1"/>
           </p:cNvSpPr>
@@ -3815,7 +3815,7 @@
       </p:sp>
       <p:sp>
         <p:nvSpPr>
-          <p:cNvPr id="632383226" name="Footer Placeholder 4"/>
+          <p:cNvPr id="447411035" name="Footer Placeholder 4"/>
           <p:cNvSpPr>
             <a:spLocks noGrp="1"/>
           </p:cNvSpPr>
@@ -3855,7 +3855,7 @@
       </p:sp>
       <p:sp>
         <p:nvSpPr>
-          <p:cNvPr id="1367010840" name="Slide Number Placeholder 5"/>
+          <p:cNvPr id="785684916" name="Slide Number Placeholder 5"/>
           <p:cNvSpPr>
             <a:spLocks noGrp="1"/>
           </p:cNvSpPr>
@@ -6724,7 +6724,7 @@
                 <a:ea typeface="OCR A Extended"/>
                 <a:cs typeface="OCR A Extended"/>
               </a:rPr>
-              <a:t>&gt; Questions? Fire away! 🔥</a:t>
+              <a:t>&gt; Questions? </a:t>
             </a:r>
             <a:endParaRPr>
               <a:solidFill>

--- a/Presentation/Presentation1.pptx
+++ b/Presentation/Presentation1.pptx
@@ -140,7 +140,7 @@
       </p:grpSpPr>
       <p:sp>
         <p:nvSpPr>
-          <p:cNvPr id="117224338" name="Header Placeholder 1"/>
+          <p:cNvPr id="587153588" name="Header Placeholder 1"/>
           <p:cNvSpPr>
             <a:spLocks noGrp="1"/>
           </p:cNvSpPr>
@@ -174,7 +174,7 @@
       </p:sp>
       <p:sp>
         <p:nvSpPr>
-          <p:cNvPr id="717797482" name="Date Placeholder 2"/>
+          <p:cNvPr id="709035928" name="Date Placeholder 2"/>
           <p:cNvSpPr>
             <a:spLocks noGrp="1"/>
           </p:cNvSpPr>
@@ -212,7 +212,7 @@
       </p:sp>
       <p:sp>
         <p:nvSpPr>
-          <p:cNvPr id="547378859" name="Slide Image Placeholder 3"/>
+          <p:cNvPr id="1046663383" name="Slide Image Placeholder 3"/>
           <p:cNvSpPr>
             <a:spLocks noChangeAspect="1" noGrp="1" noRot="1"/>
           </p:cNvSpPr>
@@ -248,7 +248,7 @@
       </p:sp>
       <p:sp>
         <p:nvSpPr>
-          <p:cNvPr id="383390755" name="Notes Placeholder 4"/>
+          <p:cNvPr id="220013111" name="Notes Placeholder 4"/>
           <p:cNvSpPr>
             <a:spLocks noGrp="1"/>
           </p:cNvSpPr>
@@ -322,7 +322,7 @@
       </p:sp>
       <p:sp>
         <p:nvSpPr>
-          <p:cNvPr id="1542840041" name="Footer Placeholder 5"/>
+          <p:cNvPr id="1734242235" name="Footer Placeholder 5"/>
           <p:cNvSpPr>
             <a:spLocks noGrp="1"/>
           </p:cNvSpPr>
@@ -356,7 +356,7 @@
       </p:sp>
       <p:sp>
         <p:nvSpPr>
-          <p:cNvPr id="2059973721" name="Slide Number Placeholder 6"/>
+          <p:cNvPr id="529440791" name="Slide Number Placeholder 6"/>
           <p:cNvSpPr>
             <a:spLocks noGrp="1"/>
           </p:cNvSpPr>
@@ -509,7 +509,7 @@
       </p:grpSpPr>
       <p:sp>
         <p:nvSpPr>
-          <p:cNvPr id="445879907" name="Slide Image Placeholder 1"/>
+          <p:cNvPr id="205840858" name="Slide Image Placeholder 1"/>
           <p:cNvSpPr>
             <a:spLocks noChangeAspect="1" noGrp="1" noRot="1"/>
           </p:cNvSpPr>
@@ -526,7 +526,7 @@
       </p:sp>
       <p:sp>
         <p:nvSpPr>
-          <p:cNvPr id="1488659146" name="Notes Placeholder 2"/>
+          <p:cNvPr id="1101349706" name="Notes Placeholder 2"/>
           <p:cNvSpPr>
             <a:spLocks noGrp="1"/>
           </p:cNvSpPr>
@@ -551,7 +551,7 @@
       </p:sp>
       <p:sp>
         <p:nvSpPr>
-          <p:cNvPr id="551831691" name="Slide Number Placeholder 3"/>
+          <p:cNvPr id="437596760" name="Slide Number Placeholder 3"/>
           <p:cNvSpPr>
             <a:spLocks noGrp="1"/>
           </p:cNvSpPr>
@@ -1112,7 +1112,7 @@
       </p:grpSpPr>
       <p:sp>
         <p:nvSpPr>
-          <p:cNvPr id="1498151836" name="Title 1"/>
+          <p:cNvPr id="224680300" name="Title 1"/>
           <p:cNvSpPr>
             <a:spLocks noGrp="1"/>
           </p:cNvSpPr>
@@ -1147,7 +1147,7 @@
       </p:sp>
       <p:sp>
         <p:nvSpPr>
-          <p:cNvPr id="213400434" name="Subtitle 2"/>
+          <p:cNvPr id="186136364" name="Subtitle 2"/>
           <p:cNvSpPr>
             <a:spLocks noGrp="1"/>
           </p:cNvSpPr>
@@ -1215,7 +1215,7 @@
       </p:sp>
       <p:sp>
         <p:nvSpPr>
-          <p:cNvPr id="279860918" name="Date Placeholder 3"/>
+          <p:cNvPr id="333732085" name="Date Placeholder 3"/>
           <p:cNvSpPr>
             <a:spLocks noGrp="1"/>
           </p:cNvSpPr>
@@ -1241,7 +1241,7 @@
       </p:sp>
       <p:sp>
         <p:nvSpPr>
-          <p:cNvPr id="377852945" name="Footer Placeholder 4"/>
+          <p:cNvPr id="1479247816" name="Footer Placeholder 4"/>
           <p:cNvSpPr>
             <a:spLocks noGrp="1"/>
           </p:cNvSpPr>
@@ -1263,7 +1263,7 @@
       </p:sp>
       <p:sp>
         <p:nvSpPr>
-          <p:cNvPr id="1889887971" name="Slide Number Placeholder 5"/>
+          <p:cNvPr id="438674556" name="Slide Number Placeholder 5"/>
           <p:cNvSpPr>
             <a:spLocks noGrp="1"/>
           </p:cNvSpPr>
@@ -1314,7 +1314,7 @@
       </p:grpSpPr>
       <p:sp>
         <p:nvSpPr>
-          <p:cNvPr id="1716384319" name="Title 1"/>
+          <p:cNvPr id="1236621" name="Title 1"/>
           <p:cNvSpPr>
             <a:spLocks noGrp="1"/>
           </p:cNvSpPr>
@@ -1340,7 +1340,7 @@
       </p:sp>
       <p:sp>
         <p:nvSpPr>
-          <p:cNvPr id="1234948313" name="Vertical Text Placeholder 2"/>
+          <p:cNvPr id="20311546" name="Vertical Text Placeholder 2"/>
           <p:cNvSpPr>
             <a:spLocks noGrp="1"/>
           </p:cNvSpPr>
@@ -1406,7 +1406,7 @@
       </p:sp>
       <p:sp>
         <p:nvSpPr>
-          <p:cNvPr id="1186631972" name="Date Placeholder 3"/>
+          <p:cNvPr id="503792583" name="Date Placeholder 3"/>
           <p:cNvSpPr>
             <a:spLocks noGrp="1"/>
           </p:cNvSpPr>
@@ -1432,7 +1432,7 @@
       </p:sp>
       <p:sp>
         <p:nvSpPr>
-          <p:cNvPr id="35522074" name="Footer Placeholder 4"/>
+          <p:cNvPr id="1831747565" name="Footer Placeholder 4"/>
           <p:cNvSpPr>
             <a:spLocks noGrp="1"/>
           </p:cNvSpPr>
@@ -1454,7 +1454,7 @@
       </p:sp>
       <p:sp>
         <p:nvSpPr>
-          <p:cNvPr id="1282343823" name="Slide Number Placeholder 5"/>
+          <p:cNvPr id="1046556359" name="Slide Number Placeholder 5"/>
           <p:cNvSpPr>
             <a:spLocks noGrp="1"/>
           </p:cNvSpPr>
@@ -1505,7 +1505,7 @@
       </p:grpSpPr>
       <p:sp>
         <p:nvSpPr>
-          <p:cNvPr id="1911118870" name="Vertical Title 1"/>
+          <p:cNvPr id="1811735973" name="Vertical Title 1"/>
           <p:cNvSpPr>
             <a:spLocks noGrp="1"/>
           </p:cNvSpPr>
@@ -1536,7 +1536,7 @@
       </p:sp>
       <p:sp>
         <p:nvSpPr>
-          <p:cNvPr id="8889266" name="Vertical Text Placeholder 2"/>
+          <p:cNvPr id="522435168" name="Vertical Text Placeholder 2"/>
           <p:cNvSpPr>
             <a:spLocks noGrp="1"/>
           </p:cNvSpPr>
@@ -1607,7 +1607,7 @@
       </p:sp>
       <p:sp>
         <p:nvSpPr>
-          <p:cNvPr id="305447666" name="Date Placeholder 3"/>
+          <p:cNvPr id="381077110" name="Date Placeholder 3"/>
           <p:cNvSpPr>
             <a:spLocks noGrp="1"/>
           </p:cNvSpPr>
@@ -1633,7 +1633,7 @@
       </p:sp>
       <p:sp>
         <p:nvSpPr>
-          <p:cNvPr id="1983505606" name="Footer Placeholder 4"/>
+          <p:cNvPr id="264483695" name="Footer Placeholder 4"/>
           <p:cNvSpPr>
             <a:spLocks noGrp="1"/>
           </p:cNvSpPr>
@@ -1655,7 +1655,7 @@
       </p:sp>
       <p:sp>
         <p:nvSpPr>
-          <p:cNvPr id="1855998556" name="Slide Number Placeholder 5"/>
+          <p:cNvPr id="634306332" name="Slide Number Placeholder 5"/>
           <p:cNvSpPr>
             <a:spLocks noGrp="1"/>
           </p:cNvSpPr>
@@ -1706,7 +1706,7 @@
       </p:grpSpPr>
       <p:sp>
         <p:nvSpPr>
-          <p:cNvPr id="1978702534" name="Title 1"/>
+          <p:cNvPr id="1808644265" name="Title 1"/>
           <p:cNvSpPr>
             <a:spLocks noGrp="1"/>
           </p:cNvSpPr>
@@ -1732,7 +1732,7 @@
       </p:sp>
       <p:sp>
         <p:nvSpPr>
-          <p:cNvPr id="1821674874" name="Content Placeholder 2"/>
+          <p:cNvPr id="1192494701" name="Content Placeholder 2"/>
           <p:cNvSpPr>
             <a:spLocks noGrp="1"/>
           </p:cNvSpPr>
@@ -1798,7 +1798,7 @@
       </p:sp>
       <p:sp>
         <p:nvSpPr>
-          <p:cNvPr id="956486534" name="Date Placeholder 3"/>
+          <p:cNvPr id="1468446182" name="Date Placeholder 3"/>
           <p:cNvSpPr>
             <a:spLocks noGrp="1"/>
           </p:cNvSpPr>
@@ -1824,7 +1824,7 @@
       </p:sp>
       <p:sp>
         <p:nvSpPr>
-          <p:cNvPr id="1352128797" name="Footer Placeholder 4"/>
+          <p:cNvPr id="2007954956" name="Footer Placeholder 4"/>
           <p:cNvSpPr>
             <a:spLocks noGrp="1"/>
           </p:cNvSpPr>
@@ -1846,7 +1846,7 @@
       </p:sp>
       <p:sp>
         <p:nvSpPr>
-          <p:cNvPr id="968807970" name="Slide Number Placeholder 5"/>
+          <p:cNvPr id="1207153994" name="Slide Number Placeholder 5"/>
           <p:cNvSpPr>
             <a:spLocks noGrp="1"/>
           </p:cNvSpPr>
@@ -1897,7 +1897,7 @@
       </p:grpSpPr>
       <p:sp>
         <p:nvSpPr>
-          <p:cNvPr id="1357776722" name="Title 1"/>
+          <p:cNvPr id="896807360" name="Title 1"/>
           <p:cNvSpPr>
             <a:spLocks noGrp="1"/>
           </p:cNvSpPr>
@@ -1932,7 +1932,7 @@
       </p:sp>
       <p:sp>
         <p:nvSpPr>
-          <p:cNvPr id="174107577" name="Text Placeholder 2"/>
+          <p:cNvPr id="2023796763" name="Text Placeholder 2"/>
           <p:cNvSpPr>
             <a:spLocks noGrp="1"/>
           </p:cNvSpPr>
@@ -2054,7 +2054,7 @@
       </p:sp>
       <p:sp>
         <p:nvSpPr>
-          <p:cNvPr id="542960188" name="Date Placeholder 3"/>
+          <p:cNvPr id="1314974678" name="Date Placeholder 3"/>
           <p:cNvSpPr>
             <a:spLocks noGrp="1"/>
           </p:cNvSpPr>
@@ -2080,7 +2080,7 @@
       </p:sp>
       <p:sp>
         <p:nvSpPr>
-          <p:cNvPr id="1190166880" name="Footer Placeholder 4"/>
+          <p:cNvPr id="583714126" name="Footer Placeholder 4"/>
           <p:cNvSpPr>
             <a:spLocks noGrp="1"/>
           </p:cNvSpPr>
@@ -2102,7 +2102,7 @@
       </p:sp>
       <p:sp>
         <p:nvSpPr>
-          <p:cNvPr id="973919877" name="Slide Number Placeholder 5"/>
+          <p:cNvPr id="1826681383" name="Slide Number Placeholder 5"/>
           <p:cNvSpPr>
             <a:spLocks noGrp="1"/>
           </p:cNvSpPr>
@@ -2153,7 +2153,7 @@
       </p:grpSpPr>
       <p:sp>
         <p:nvSpPr>
-          <p:cNvPr id="865894172" name="Title 1"/>
+          <p:cNvPr id="1269498070" name="Title 1"/>
           <p:cNvSpPr>
             <a:spLocks noGrp="1"/>
           </p:cNvSpPr>
@@ -2179,7 +2179,7 @@
       </p:sp>
       <p:sp>
         <p:nvSpPr>
-          <p:cNvPr id="731265318" name="Content Placeholder 2"/>
+          <p:cNvPr id="1934381456" name="Content Placeholder 2"/>
           <p:cNvSpPr>
             <a:spLocks noGrp="1"/>
           </p:cNvSpPr>
@@ -2250,7 +2250,7 @@
       </p:sp>
       <p:sp>
         <p:nvSpPr>
-          <p:cNvPr id="806418551" name="Content Placeholder 3"/>
+          <p:cNvPr id="428069428" name="Content Placeholder 3"/>
           <p:cNvSpPr>
             <a:spLocks noGrp="1"/>
           </p:cNvSpPr>
@@ -2321,7 +2321,7 @@
       </p:sp>
       <p:sp>
         <p:nvSpPr>
-          <p:cNvPr id="1176174058" name="Date Placeholder 4"/>
+          <p:cNvPr id="1311537573" name="Date Placeholder 4"/>
           <p:cNvSpPr>
             <a:spLocks noGrp="1"/>
           </p:cNvSpPr>
@@ -2347,7 +2347,7 @@
       </p:sp>
       <p:sp>
         <p:nvSpPr>
-          <p:cNvPr id="574949063" name="Footer Placeholder 5"/>
+          <p:cNvPr id="1972242452" name="Footer Placeholder 5"/>
           <p:cNvSpPr>
             <a:spLocks noGrp="1"/>
           </p:cNvSpPr>
@@ -2369,7 +2369,7 @@
       </p:sp>
       <p:sp>
         <p:nvSpPr>
-          <p:cNvPr id="666887252" name="Slide Number Placeholder 6"/>
+          <p:cNvPr id="2120285437" name="Slide Number Placeholder 6"/>
           <p:cNvSpPr>
             <a:spLocks noGrp="1"/>
           </p:cNvSpPr>
@@ -2420,7 +2420,7 @@
       </p:grpSpPr>
       <p:sp>
         <p:nvSpPr>
-          <p:cNvPr id="1350163971" name="Title 1"/>
+          <p:cNvPr id="1056614881" name="Title 1"/>
           <p:cNvSpPr>
             <a:spLocks noGrp="1"/>
           </p:cNvSpPr>
@@ -2451,7 +2451,7 @@
       </p:sp>
       <p:sp>
         <p:nvSpPr>
-          <p:cNvPr id="250623978" name="Text Placeholder 2"/>
+          <p:cNvPr id="183485831" name="Text Placeholder 2"/>
           <p:cNvSpPr>
             <a:spLocks noGrp="1"/>
           </p:cNvSpPr>
@@ -2519,7 +2519,7 @@
       </p:sp>
       <p:sp>
         <p:nvSpPr>
-          <p:cNvPr id="917823375" name="Content Placeholder 3"/>
+          <p:cNvPr id="2130113587" name="Content Placeholder 3"/>
           <p:cNvSpPr>
             <a:spLocks noGrp="1"/>
           </p:cNvSpPr>
@@ -2590,7 +2590,7 @@
       </p:sp>
       <p:sp>
         <p:nvSpPr>
-          <p:cNvPr id="2126578752" name="Text Placeholder 4"/>
+          <p:cNvPr id="1953380003" name="Text Placeholder 4"/>
           <p:cNvSpPr>
             <a:spLocks noGrp="1"/>
           </p:cNvSpPr>
@@ -2658,7 +2658,7 @@
       </p:sp>
       <p:sp>
         <p:nvSpPr>
-          <p:cNvPr id="660204314" name="Content Placeholder 5"/>
+          <p:cNvPr id="563988215" name="Content Placeholder 5"/>
           <p:cNvSpPr>
             <a:spLocks noGrp="1"/>
           </p:cNvSpPr>
@@ -2729,7 +2729,7 @@
       </p:sp>
       <p:sp>
         <p:nvSpPr>
-          <p:cNvPr id="1448450997" name="Date Placeholder 6"/>
+          <p:cNvPr id="2106150682" name="Date Placeholder 6"/>
           <p:cNvSpPr>
             <a:spLocks noGrp="1"/>
           </p:cNvSpPr>
@@ -2755,7 +2755,7 @@
       </p:sp>
       <p:sp>
         <p:nvSpPr>
-          <p:cNvPr id="1780906880" name="Footer Placeholder 7"/>
+          <p:cNvPr id="960245542" name="Footer Placeholder 7"/>
           <p:cNvSpPr>
             <a:spLocks noGrp="1"/>
           </p:cNvSpPr>
@@ -2777,7 +2777,7 @@
       </p:sp>
       <p:sp>
         <p:nvSpPr>
-          <p:cNvPr id="1405844226" name="Slide Number Placeholder 8"/>
+          <p:cNvPr id="924239685" name="Slide Number Placeholder 8"/>
           <p:cNvSpPr>
             <a:spLocks noGrp="1"/>
           </p:cNvSpPr>
@@ -2828,7 +2828,7 @@
       </p:grpSpPr>
       <p:sp>
         <p:nvSpPr>
-          <p:cNvPr id="95884785" name="Title 1"/>
+          <p:cNvPr id="588499859" name="Title 1"/>
           <p:cNvSpPr>
             <a:spLocks noGrp="1"/>
           </p:cNvSpPr>
@@ -2854,7 +2854,7 @@
       </p:sp>
       <p:sp>
         <p:nvSpPr>
-          <p:cNvPr id="2127896478" name="Date Placeholder 2"/>
+          <p:cNvPr id="733855186" name="Date Placeholder 2"/>
           <p:cNvSpPr>
             <a:spLocks noGrp="1"/>
           </p:cNvSpPr>
@@ -2880,7 +2880,7 @@
       </p:sp>
       <p:sp>
         <p:nvSpPr>
-          <p:cNvPr id="235192647" name="Footer Placeholder 3"/>
+          <p:cNvPr id="2028666402" name="Footer Placeholder 3"/>
           <p:cNvSpPr>
             <a:spLocks noGrp="1"/>
           </p:cNvSpPr>
@@ -2902,7 +2902,7 @@
       </p:sp>
       <p:sp>
         <p:nvSpPr>
-          <p:cNvPr id="328176587" name="Slide Number Placeholder 4"/>
+          <p:cNvPr id="2063559679" name="Slide Number Placeholder 4"/>
           <p:cNvSpPr>
             <a:spLocks noGrp="1"/>
           </p:cNvSpPr>
@@ -2953,7 +2953,7 @@
       </p:grpSpPr>
       <p:sp>
         <p:nvSpPr>
-          <p:cNvPr id="1717019721" name="Date Placeholder 1"/>
+          <p:cNvPr id="381556803" name="Date Placeholder 1"/>
           <p:cNvSpPr>
             <a:spLocks noGrp="1"/>
           </p:cNvSpPr>
@@ -2979,7 +2979,7 @@
       </p:sp>
       <p:sp>
         <p:nvSpPr>
-          <p:cNvPr id="1250619441" name="Footer Placeholder 2"/>
+          <p:cNvPr id="905777124" name="Footer Placeholder 2"/>
           <p:cNvSpPr>
             <a:spLocks noGrp="1"/>
           </p:cNvSpPr>
@@ -3001,7 +3001,7 @@
       </p:sp>
       <p:sp>
         <p:nvSpPr>
-          <p:cNvPr id="1773309880" name="Slide Number Placeholder 3"/>
+          <p:cNvPr id="2120958184" name="Slide Number Placeholder 3"/>
           <p:cNvSpPr>
             <a:spLocks noGrp="1"/>
           </p:cNvSpPr>
@@ -3052,7 +3052,7 @@
       </p:grpSpPr>
       <p:sp>
         <p:nvSpPr>
-          <p:cNvPr id="1195512860" name="Title 1"/>
+          <p:cNvPr id="1962154412" name="Title 1"/>
           <p:cNvSpPr>
             <a:spLocks noGrp="1"/>
           </p:cNvSpPr>
@@ -3087,7 +3087,7 @@
       </p:sp>
       <p:sp>
         <p:nvSpPr>
-          <p:cNvPr id="585331545" name="Content Placeholder 2"/>
+          <p:cNvPr id="70670397" name="Content Placeholder 2"/>
           <p:cNvSpPr>
             <a:spLocks noGrp="1"/>
           </p:cNvSpPr>
@@ -3186,7 +3186,7 @@
       </p:sp>
       <p:sp>
         <p:nvSpPr>
-          <p:cNvPr id="1502966328" name="Text Placeholder 3"/>
+          <p:cNvPr id="795600423" name="Text Placeholder 3"/>
           <p:cNvSpPr>
             <a:spLocks noGrp="1"/>
           </p:cNvSpPr>
@@ -3254,7 +3254,7 @@
       </p:sp>
       <p:sp>
         <p:nvSpPr>
-          <p:cNvPr id="493120419" name="Date Placeholder 4"/>
+          <p:cNvPr id="11409576" name="Date Placeholder 4"/>
           <p:cNvSpPr>
             <a:spLocks noGrp="1"/>
           </p:cNvSpPr>
@@ -3280,7 +3280,7 @@
       </p:sp>
       <p:sp>
         <p:nvSpPr>
-          <p:cNvPr id="1826672025" name="Footer Placeholder 5"/>
+          <p:cNvPr id="1446909974" name="Footer Placeholder 5"/>
           <p:cNvSpPr>
             <a:spLocks noGrp="1"/>
           </p:cNvSpPr>
@@ -3302,7 +3302,7 @@
       </p:sp>
       <p:sp>
         <p:nvSpPr>
-          <p:cNvPr id="492029887" name="Slide Number Placeholder 6"/>
+          <p:cNvPr id="1642368141" name="Slide Number Placeholder 6"/>
           <p:cNvSpPr>
             <a:spLocks noGrp="1"/>
           </p:cNvSpPr>
@@ -3353,7 +3353,7 @@
       </p:grpSpPr>
       <p:sp>
         <p:nvSpPr>
-          <p:cNvPr id="1214643333" name="Title 1"/>
+          <p:cNvPr id="869612499" name="Title 1"/>
           <p:cNvSpPr>
             <a:spLocks noGrp="1"/>
           </p:cNvSpPr>
@@ -3388,7 +3388,7 @@
       </p:sp>
       <p:sp>
         <p:nvSpPr>
-          <p:cNvPr id="1864634258" name="Picture Placeholder 2"/>
+          <p:cNvPr id="1037891989" name="Picture Placeholder 2"/>
           <p:cNvSpPr>
             <a:spLocks noChangeAspect="1" noGrp="1"/>
           </p:cNvSpPr>
@@ -3456,7 +3456,7 @@
       </p:sp>
       <p:sp>
         <p:nvSpPr>
-          <p:cNvPr id="45251067" name="Text Placeholder 3"/>
+          <p:cNvPr id="2039614357" name="Text Placeholder 3"/>
           <p:cNvSpPr>
             <a:spLocks noGrp="1"/>
           </p:cNvSpPr>
@@ -3524,7 +3524,7 @@
       </p:sp>
       <p:sp>
         <p:nvSpPr>
-          <p:cNvPr id="720777591" name="Date Placeholder 4"/>
+          <p:cNvPr id="903598268" name="Date Placeholder 4"/>
           <p:cNvSpPr>
             <a:spLocks noGrp="1"/>
           </p:cNvSpPr>
@@ -3550,7 +3550,7 @@
       </p:sp>
       <p:sp>
         <p:nvSpPr>
-          <p:cNvPr id="1367899817" name="Footer Placeholder 5"/>
+          <p:cNvPr id="1031520460" name="Footer Placeholder 5"/>
           <p:cNvSpPr>
             <a:spLocks noGrp="1"/>
           </p:cNvSpPr>
@@ -3572,7 +3572,7 @@
       </p:sp>
       <p:sp>
         <p:nvSpPr>
-          <p:cNvPr id="328038227" name="Slide Number Placeholder 6"/>
+          <p:cNvPr id="2127362915" name="Slide Number Placeholder 6"/>
           <p:cNvSpPr>
             <a:spLocks noGrp="1"/>
           </p:cNvSpPr>
@@ -3659,7 +3659,7 @@
       </p:grpSpPr>
       <p:sp>
         <p:nvSpPr>
-          <p:cNvPr id="1272342919" name="Title Placeholder 1"/>
+          <p:cNvPr id="1896932392" name="Title Placeholder 1"/>
           <p:cNvSpPr>
             <a:spLocks noGrp="1"/>
           </p:cNvSpPr>
@@ -3695,7 +3695,7 @@
       </p:sp>
       <p:sp>
         <p:nvSpPr>
-          <p:cNvPr id="1068012433" name="Text Placeholder 2"/>
+          <p:cNvPr id="1233143811" name="Text Placeholder 2"/>
           <p:cNvSpPr>
             <a:spLocks noGrp="1"/>
           </p:cNvSpPr>
@@ -3771,7 +3771,7 @@
       </p:sp>
       <p:sp>
         <p:nvSpPr>
-          <p:cNvPr id="1599431690" name="Date Placeholder 3"/>
+          <p:cNvPr id="1362589812" name="Date Placeholder 3"/>
           <p:cNvSpPr>
             <a:spLocks noGrp="1"/>
           </p:cNvSpPr>
@@ -3815,7 +3815,7 @@
       </p:sp>
       <p:sp>
         <p:nvSpPr>
-          <p:cNvPr id="447411035" name="Footer Placeholder 4"/>
+          <p:cNvPr id="2073107424" name="Footer Placeholder 4"/>
           <p:cNvSpPr>
             <a:spLocks noGrp="1"/>
           </p:cNvSpPr>
@@ -3855,7 +3855,7 @@
       </p:sp>
       <p:sp>
         <p:nvSpPr>
-          <p:cNvPr id="785684916" name="Slide Number Placeholder 5"/>
+          <p:cNvPr id="271885923" name="Slide Number Placeholder 5"/>
           <p:cNvSpPr>
             <a:spLocks noGrp="1"/>
           </p:cNvSpPr>
@@ -5458,7 +5458,7 @@
                 <a:ea typeface="OCR A Extended"/>
                 <a:cs typeface="OCR A Extended"/>
               </a:rPr>
-              <a:t>┌─────────────────┐    ┌─────────────────┐    ┌─────────────────┐</a:t>
+              <a:t>┌─────────────────┐    ┌─────────────────┐    </a:t>
             </a:r>
             <a:endParaRPr sz="2400" b="0" i="0" u="none" strike="noStrike" cap="none" spc="0">
               <a:solidFill>
@@ -5675,7 +5675,7 @@
                 <a:ea typeface="OCR A Extended"/>
                 <a:cs typeface="OCR A Extended"/>
               </a:rPr>
-              <a:t>└─────────────────┘    └─────────────────┘    └─────────────────┘</a:t>
+              <a:t>└─────────────────┘    └─────────────────┘    </a:t>
             </a:r>
             <a:endParaRPr sz="2400">
               <a:solidFill>
@@ -6338,7 +6338,7 @@
                 <a:ea typeface="OCR A Extended"/>
                 <a:cs typeface="OCR A Extended"/>
               </a:rPr>
-              <a:t>🗄️ Database: MongoDB schema + optimization</a:t>
+              <a:t>🗄️ Database: PostgreSQL + optimization</a:t>
             </a:r>
             <a:endParaRPr sz="2400" b="0" i="0" u="none" strike="noStrike" cap="none" spc="0">
               <a:solidFill>
